--- a/clases/Cap00_Lineas_Generales/program/PAT00_Proyecto.pptx
+++ b/clases/Cap00_Lineas_Generales/program/PAT00_Proyecto.pptx
@@ -6,12 +6,11 @@
     <p:sldMasterId id="2147483651" r:id="rId2"/>
   </p:sldMasterIdLst>
   <p:notesMasterIdLst>
-    <p:notesMasterId r:id="rId6"/>
+    <p:notesMasterId r:id="rId5"/>
   </p:notesMasterIdLst>
   <p:sldIdLst>
     <p:sldId id="503" r:id="rId3"/>
-    <p:sldId id="508" r:id="rId4"/>
-    <p:sldId id="509" r:id="rId5"/>
+    <p:sldId id="509" r:id="rId4"/>
   </p:sldIdLst>
   <p:sldSz cx="9144000" cy="6858000" type="screen4x3"/>
   <p:notesSz cx="6858000" cy="9144000"/>
@@ -5887,13 +5886,6 @@
               </a:rPr>
               <a:t>Proyecto</a:t>
             </a:r>
-            <a:endParaRPr lang="es-CL" sz="2400" b="1" dirty="0" smtClean="0">
-              <a:solidFill>
-                <a:srgbClr val="FFFFFF"/>
-              </a:solidFill>
-              <a:latin typeface="Trebuchet MS"/>
-              <a:cs typeface="Trebuchet MS"/>
-            </a:endParaRPr>
           </a:p>
         </p:txBody>
       </p:sp>
@@ -6693,11 +6685,219 @@
           <a:chExt cx="0" cy="0"/>
         </a:xfrm>
       </p:grpSpPr>
+      <p:sp>
+        <p:nvSpPr>
+          <p:cNvPr id="3" name="TextBox 2"/>
+          <p:cNvSpPr txBox="1"/>
+          <p:nvPr/>
+        </p:nvSpPr>
+        <p:spPr>
+          <a:xfrm>
+            <a:off x="854017" y="664235"/>
+            <a:ext cx="3903633" cy="646331"/>
+          </a:xfrm>
+          <a:prstGeom prst="rect">
+            <a:avLst/>
+          </a:prstGeom>
+          <a:noFill/>
+        </p:spPr>
+        <p:txBody>
+          <a:bodyPr wrap="none" rtlCol="0">
+            <a:spAutoFit/>
+          </a:bodyPr>
+          <a:lstStyle/>
+          <a:p>
+            <a:r>
+              <a:rPr lang="en-US" sz="3600" smtClean="0"/>
+              <a:t>Proyecto </a:t>
+            </a:r>
+            <a:r>
+              <a:rPr lang="en-US" sz="3600" smtClean="0"/>
+              <a:t>del </a:t>
+            </a:r>
+            <a:r>
+              <a:rPr lang="en-US" sz="3600" smtClean="0"/>
+              <a:t>2019</a:t>
+            </a:r>
+            <a:endParaRPr lang="en-US" sz="3600" dirty="0"/>
+          </a:p>
+        </p:txBody>
+      </p:sp>
+      <p:sp>
+        <p:nvSpPr>
+          <p:cNvPr id="7" name="TextBox 6"/>
+          <p:cNvSpPr txBox="1"/>
+          <p:nvPr/>
+        </p:nvSpPr>
+        <p:spPr>
+          <a:xfrm>
+            <a:off x="785004" y="1647646"/>
+            <a:ext cx="7617123" cy="1477328"/>
+          </a:xfrm>
+          <a:prstGeom prst="rect">
+            <a:avLst/>
+          </a:prstGeom>
+          <a:noFill/>
+        </p:spPr>
+        <p:txBody>
+          <a:bodyPr wrap="square" rtlCol="0">
+            <a:spAutoFit/>
+          </a:bodyPr>
+          <a:lstStyle/>
+          <a:p>
+            <a:r>
+              <a:rPr lang="en-US" dirty="0" smtClean="0"/>
+              <a:t>¿Son la </a:t>
+            </a:r>
+            <a:r>
+              <a:rPr lang="en-US" dirty="0" err="1" smtClean="0"/>
+              <a:t>misma</a:t>
+            </a:r>
+            <a:r>
+              <a:rPr lang="en-US" dirty="0" smtClean="0"/>
+              <a:t> persona? </a:t>
+            </a:r>
+          </a:p>
+          <a:p>
+            <a:endParaRPr lang="en-US" dirty="0"/>
+          </a:p>
+          <a:p>
+            <a:r>
+              <a:rPr lang="en-US" dirty="0" err="1" smtClean="0"/>
+              <a:t>Verificar</a:t>
+            </a:r>
+            <a:r>
+              <a:rPr lang="en-US" dirty="0" smtClean="0"/>
+              <a:t> </a:t>
+            </a:r>
+            <a:r>
+              <a:rPr lang="en-US" dirty="0" err="1" smtClean="0"/>
+              <a:t>si</a:t>
+            </a:r>
+            <a:r>
+              <a:rPr lang="en-US" dirty="0" smtClean="0"/>
+              <a:t> dos </a:t>
+            </a:r>
+            <a:r>
+              <a:rPr lang="en-US" dirty="0" err="1" smtClean="0"/>
+              <a:t>fotos</a:t>
+            </a:r>
+            <a:r>
+              <a:rPr lang="en-US" dirty="0" smtClean="0"/>
+              <a:t> de </a:t>
+            </a:r>
+            <a:r>
+              <a:rPr lang="en-US" dirty="0" err="1" smtClean="0"/>
+              <a:t>una</a:t>
+            </a:r>
+            <a:r>
+              <a:rPr lang="en-US" dirty="0" smtClean="0"/>
+              <a:t> </a:t>
+            </a:r>
+            <a:r>
+              <a:rPr lang="en-US" dirty="0" err="1" smtClean="0"/>
+              <a:t>cara</a:t>
+            </a:r>
+            <a:r>
+              <a:rPr lang="en-US" dirty="0" smtClean="0"/>
+              <a:t>, </a:t>
+            </a:r>
+            <a:r>
+              <a:rPr lang="en-US" dirty="0" err="1" smtClean="0"/>
+              <a:t>una</a:t>
+            </a:r>
+            <a:r>
+              <a:rPr lang="en-US" dirty="0" smtClean="0"/>
+              <a:t> </a:t>
+            </a:r>
+            <a:r>
+              <a:rPr lang="en-US" dirty="0" err="1" smtClean="0"/>
+              <a:t>tomada</a:t>
+            </a:r>
+            <a:r>
+              <a:rPr lang="en-US" dirty="0" smtClean="0"/>
+              <a:t> </a:t>
+            </a:r>
+            <a:r>
+              <a:rPr lang="en-US" dirty="0" err="1" smtClean="0"/>
+              <a:t>durante</a:t>
+            </a:r>
+            <a:r>
+              <a:rPr lang="en-US" dirty="0" smtClean="0"/>
+              <a:t> la </a:t>
+            </a:r>
+            <a:r>
+              <a:rPr lang="en-US" dirty="0" err="1" smtClean="0"/>
+              <a:t>adoelscencia-niñez</a:t>
+            </a:r>
+            <a:r>
+              <a:rPr lang="en-US" dirty="0" smtClean="0"/>
+              <a:t> y </a:t>
+            </a:r>
+            <a:r>
+              <a:rPr lang="en-US" dirty="0" err="1" smtClean="0"/>
+              <a:t>otra</a:t>
+            </a:r>
+            <a:r>
+              <a:rPr lang="en-US" dirty="0" smtClean="0"/>
+              <a:t> </a:t>
+            </a:r>
+            <a:r>
+              <a:rPr lang="en-US" dirty="0" err="1" smtClean="0"/>
+              <a:t>tomada</a:t>
+            </a:r>
+            <a:r>
+              <a:rPr lang="en-US" dirty="0" smtClean="0"/>
+              <a:t> </a:t>
+            </a:r>
+            <a:r>
+              <a:rPr lang="en-US" dirty="0" err="1" smtClean="0"/>
+              <a:t>durante</a:t>
+            </a:r>
+            <a:r>
+              <a:rPr lang="en-US" dirty="0" smtClean="0"/>
+              <a:t> la </a:t>
+            </a:r>
+            <a:r>
+              <a:rPr lang="en-US" dirty="0" err="1" smtClean="0"/>
+              <a:t>adultez</a:t>
+            </a:r>
+            <a:r>
+              <a:rPr lang="en-US" dirty="0" smtClean="0"/>
+              <a:t> </a:t>
+            </a:r>
+            <a:r>
+              <a:rPr lang="en-US" dirty="0" err="1" smtClean="0"/>
+              <a:t>temprana</a:t>
+            </a:r>
+            <a:r>
+              <a:rPr lang="en-US" dirty="0" smtClean="0"/>
+              <a:t> </a:t>
+            </a:r>
+            <a:r>
+              <a:rPr lang="en-US" dirty="0" err="1" smtClean="0"/>
+              <a:t>corresponden</a:t>
+            </a:r>
+            <a:r>
+              <a:rPr lang="en-US" dirty="0" smtClean="0"/>
+              <a:t> a la </a:t>
+            </a:r>
+            <a:r>
+              <a:rPr lang="en-US" dirty="0" err="1" smtClean="0"/>
+              <a:t>misma</a:t>
+            </a:r>
+            <a:r>
+              <a:rPr lang="en-US" dirty="0" smtClean="0"/>
+              <a:t> persona</a:t>
+            </a:r>
+          </a:p>
+        </p:txBody>
+      </p:sp>
       <p:pic>
         <p:nvPicPr>
-          <p:cNvPr id="4" name="Picture 3"/>
+          <p:cNvPr id="2" name="Picture 1"/>
           <p:cNvPicPr>
-            <a:picLocks noChangeAspect="1"/>
+            <a:picLocks/>
           </p:cNvPicPr>
           <p:nvPr/>
         </p:nvPicPr>
@@ -6715,564 +6915,344 @@
         </p:blipFill>
         <p:spPr>
           <a:xfrm>
-            <a:off x="1116454" y="2487666"/>
-            <a:ext cx="1073943" cy="1562100"/>
+            <a:off x="850901" y="3403833"/>
+            <a:ext cx="1080000" cy="1260000"/>
           </a:xfrm>
           <a:prstGeom prst="rect">
             <a:avLst/>
           </a:prstGeom>
         </p:spPr>
       </p:pic>
-      <p:grpSp>
-        <p:nvGrpSpPr>
-          <p:cNvPr id="13" name="Group 12"/>
-          <p:cNvGrpSpPr/>
+      <p:pic>
+        <p:nvPicPr>
+          <p:cNvPr id="4" name="Picture 3"/>
+          <p:cNvPicPr>
+            <a:picLocks/>
+          </p:cNvPicPr>
           <p:nvPr/>
-        </p:nvGrpSpPr>
-        <p:grpSpPr>
-          <a:xfrm>
-            <a:off x="2891676" y="2616847"/>
-            <a:ext cx="2645517" cy="1321252"/>
-            <a:chOff x="2891676" y="2616847"/>
-            <a:chExt cx="2645517" cy="1321252"/>
-          </a:xfrm>
-        </p:grpSpPr>
-        <p:sp>
-          <p:nvSpPr>
-            <p:cNvPr id="5" name="Rectangle 4"/>
-            <p:cNvSpPr/>
-            <p:nvPr/>
-          </p:nvSpPr>
-          <p:spPr>
-            <a:xfrm>
-              <a:off x="3207296" y="2616847"/>
-              <a:ext cx="2322082" cy="1321252"/>
-            </a:xfrm>
-            <a:prstGeom prst="rect">
-              <a:avLst/>
-            </a:prstGeom>
-            <a:solidFill>
-              <a:srgbClr val="FFFFFF"/>
-            </a:solidFill>
-            <a:ln>
-              <a:solidFill>
-                <a:schemeClr val="tx1"/>
-              </a:solidFill>
-            </a:ln>
-            <a:effectLst/>
-          </p:spPr>
-          <p:style>
-            <a:lnRef idx="1">
-              <a:schemeClr val="accent1"/>
-            </a:lnRef>
-            <a:fillRef idx="3">
-              <a:schemeClr val="accent1"/>
-            </a:fillRef>
-            <a:effectRef idx="2">
-              <a:schemeClr val="accent1"/>
-            </a:effectRef>
-            <a:fontRef idx="minor">
-              <a:schemeClr val="lt1"/>
-            </a:fontRef>
-          </p:style>
-          <p:txBody>
-            <a:bodyPr rtlCol="0" anchor="ctr"/>
-            <a:lstStyle/>
-            <a:p>
-              <a:pPr algn="ctr"/>
-              <a:endParaRPr lang="en-US"/>
-            </a:p>
-          </p:txBody>
-        </p:sp>
-        <p:sp>
-          <p:nvSpPr>
-            <p:cNvPr id="6" name="TextBox 5"/>
-            <p:cNvSpPr txBox="1"/>
-            <p:nvPr/>
-          </p:nvSpPr>
-          <p:spPr>
-            <a:xfrm>
-              <a:off x="3172180" y="3075780"/>
-              <a:ext cx="2365013" cy="369332"/>
-            </a:xfrm>
-            <a:prstGeom prst="rect">
-              <a:avLst/>
-            </a:prstGeom>
-            <a:noFill/>
-          </p:spPr>
-          <p:txBody>
-            <a:bodyPr wrap="square" rtlCol="0">
-              <a:spAutoFit/>
-            </a:bodyPr>
-            <a:lstStyle/>
-            <a:p>
-              <a:pPr algn="ctr"/>
-              <a:r>
-                <a:rPr lang="es-CL" dirty="0" smtClean="0">
-                  <a:latin typeface="Trebuchet MS"/>
-                  <a:cs typeface="Trebuchet MS"/>
-                </a:rPr>
-                <a:t>Age Estimator</a:t>
-              </a:r>
-              <a:endParaRPr lang="es-CL" dirty="0">
-                <a:latin typeface="Trebuchet MS"/>
-                <a:cs typeface="Trebuchet MS"/>
-              </a:endParaRPr>
-            </a:p>
-          </p:txBody>
-        </p:sp>
-        <p:cxnSp>
-          <p:nvCxnSpPr>
-            <p:cNvPr id="8" name="Straight Arrow Connector 7"/>
-            <p:cNvCxnSpPr>
-              <a:stCxn id="4" idx="3"/>
-              <a:endCxn id="5" idx="1"/>
-            </p:cNvCxnSpPr>
-            <p:nvPr/>
-          </p:nvCxnSpPr>
-          <p:spPr>
-            <a:xfrm>
-              <a:off x="2891676" y="3268716"/>
-              <a:ext cx="315620" cy="0"/>
-            </a:xfrm>
-            <a:prstGeom prst="straightConnector1">
-              <a:avLst/>
-            </a:prstGeom>
-            <a:ln>
-              <a:solidFill>
-                <a:srgbClr val="000000"/>
-              </a:solidFill>
-              <a:tailEnd type="arrow"/>
-            </a:ln>
-          </p:spPr>
-          <p:style>
-            <a:lnRef idx="2">
-              <a:schemeClr val="accent1"/>
-            </a:lnRef>
-            <a:fillRef idx="0">
-              <a:schemeClr val="accent1"/>
-            </a:fillRef>
-            <a:effectRef idx="1">
-              <a:schemeClr val="accent1"/>
-            </a:effectRef>
-            <a:fontRef idx="minor">
-              <a:schemeClr val="tx1"/>
-            </a:fontRef>
-          </p:style>
-        </p:cxnSp>
-      </p:grpSp>
-      <p:grpSp>
-        <p:nvGrpSpPr>
-          <p:cNvPr id="17" name="Group 16"/>
-          <p:cNvGrpSpPr/>
-          <p:nvPr/>
-        </p:nvGrpSpPr>
-        <p:grpSpPr>
-          <a:xfrm>
-            <a:off x="1300821" y="4041702"/>
-            <a:ext cx="5864651" cy="270201"/>
-            <a:chOff x="1300821" y="4041702"/>
-            <a:chExt cx="5864651" cy="270201"/>
-          </a:xfrm>
-        </p:grpSpPr>
-        <p:sp>
-          <p:nvSpPr>
-            <p:cNvPr id="15" name="TextBox 14"/>
-            <p:cNvSpPr txBox="1"/>
-            <p:nvPr/>
-          </p:nvSpPr>
-          <p:spPr>
-            <a:xfrm>
-              <a:off x="1300821" y="4041702"/>
-              <a:ext cx="700445" cy="246221"/>
-            </a:xfrm>
-            <a:prstGeom prst="rect">
-              <a:avLst/>
-            </a:prstGeom>
-            <a:noFill/>
-          </p:spPr>
-          <p:txBody>
-            <a:bodyPr wrap="none" rtlCol="0">
-              <a:spAutoFit/>
-            </a:bodyPr>
-            <a:lstStyle/>
-            <a:p>
-              <a:pPr algn="ctr"/>
-              <a:r>
-                <a:rPr lang="es-CL" sz="1000" dirty="0" smtClean="0">
-                  <a:latin typeface="Trebuchet MS"/>
-                  <a:cs typeface="Trebuchet MS"/>
-                </a:rPr>
-                <a:t>[ INPUT ]</a:t>
-              </a:r>
-              <a:endParaRPr lang="es-CL" sz="1000" dirty="0">
-                <a:latin typeface="Trebuchet MS"/>
-                <a:cs typeface="Trebuchet MS"/>
-              </a:endParaRPr>
-            </a:p>
-          </p:txBody>
-        </p:sp>
-        <p:sp>
-          <p:nvSpPr>
-            <p:cNvPr id="16" name="TextBox 15"/>
-            <p:cNvSpPr txBox="1"/>
-            <p:nvPr/>
-          </p:nvSpPr>
-          <p:spPr>
-            <a:xfrm>
-              <a:off x="6338540" y="4065682"/>
-              <a:ext cx="826932" cy="246221"/>
-            </a:xfrm>
-            <a:prstGeom prst="rect">
-              <a:avLst/>
-            </a:prstGeom>
-            <a:noFill/>
-          </p:spPr>
-          <p:txBody>
-            <a:bodyPr wrap="none" rtlCol="0">
-              <a:spAutoFit/>
-            </a:bodyPr>
-            <a:lstStyle/>
-            <a:p>
-              <a:pPr algn="ctr"/>
-              <a:r>
-                <a:rPr lang="es-CL" sz="1000" dirty="0" smtClean="0">
-                  <a:latin typeface="Trebuchet MS"/>
-                  <a:cs typeface="Trebuchet MS"/>
-                </a:rPr>
-                <a:t>[ OUTPUT ]</a:t>
-              </a:r>
-              <a:endParaRPr lang="es-CL" sz="1000" dirty="0">
-                <a:latin typeface="Trebuchet MS"/>
-                <a:cs typeface="Trebuchet MS"/>
-              </a:endParaRPr>
-            </a:p>
-          </p:txBody>
-        </p:sp>
-      </p:grpSp>
-      <p:cxnSp>
-        <p:nvCxnSpPr>
-          <p:cNvPr id="18" name="Straight Arrow Connector 17"/>
-          <p:cNvCxnSpPr/>
-          <p:nvPr/>
-        </p:nvCxnSpPr>
+        </p:nvPicPr>
+        <p:blipFill>
+          <a:blip r:embed="rId3">
+            <a:extLst>
+              <a:ext uri="{28A0092B-C50C-407E-A947-70E740481C1C}">
+                <a14:useLocalDpi xmlns:a14="http://schemas.microsoft.com/office/drawing/2010/main" val="0"/>
+              </a:ext>
+            </a:extLst>
+          </a:blip>
+          <a:stretch>
+            <a:fillRect/>
+          </a:stretch>
+        </p:blipFill>
         <p:spPr>
           <a:xfrm>
-            <a:off x="5550208" y="3285652"/>
-            <a:ext cx="315620" cy="0"/>
-          </a:xfrm>
-          <a:prstGeom prst="straightConnector1">
-            <a:avLst/>
-          </a:prstGeom>
-          <a:ln>
-            <a:solidFill>
-              <a:srgbClr val="000000"/>
-            </a:solidFill>
-            <a:tailEnd type="arrow"/>
-          </a:ln>
-        </p:spPr>
-        <p:style>
-          <a:lnRef idx="2">
-            <a:schemeClr val="accent1"/>
-          </a:lnRef>
-          <a:fillRef idx="0">
-            <a:schemeClr val="accent1"/>
-          </a:fillRef>
-          <a:effectRef idx="1">
-            <a:schemeClr val="accent1"/>
-          </a:effectRef>
-          <a:fontRef idx="minor">
-            <a:schemeClr val="tx1"/>
-          </a:fontRef>
-        </p:style>
-      </p:cxnSp>
-      <p:sp>
-        <p:nvSpPr>
-          <p:cNvPr id="2" name="TextBox 1"/>
-          <p:cNvSpPr txBox="1"/>
-          <p:nvPr/>
-        </p:nvSpPr>
-        <p:spPr>
-          <a:xfrm>
-            <a:off x="5878843" y="3029613"/>
-            <a:ext cx="2735044" cy="461665"/>
+            <a:off x="815436" y="4858829"/>
+            <a:ext cx="1080000" cy="1260000"/>
           </a:xfrm>
           <a:prstGeom prst="rect">
             <a:avLst/>
           </a:prstGeom>
-          <a:noFill/>
-        </p:spPr>
-        <p:txBody>
-          <a:bodyPr wrap="none" rtlCol="0">
-            <a:spAutoFit/>
-          </a:bodyPr>
-          <a:lstStyle/>
-          <a:p>
-            <a:pPr algn="ctr"/>
-            <a:r>
-              <a:rPr lang="es-ES_tradnl" sz="2400" smtClean="0"/>
-              <a:t>entre 50 y 60 años</a:t>
-            </a:r>
-            <a:endParaRPr lang="es-ES_tradnl" sz="2400" dirty="0"/>
-          </a:p>
-        </p:txBody>
-      </p:sp>
-      <p:sp>
-        <p:nvSpPr>
-          <p:cNvPr id="3" name="TextBox 2"/>
-          <p:cNvSpPr txBox="1"/>
+        </p:spPr>
+      </p:pic>
+      <p:pic>
+        <p:nvPicPr>
+          <p:cNvPr id="5" name="Picture 4"/>
+          <p:cNvPicPr>
+            <a:picLocks/>
+          </p:cNvPicPr>
           <p:nvPr/>
-        </p:nvSpPr>
+        </p:nvPicPr>
+        <p:blipFill>
+          <a:blip r:embed="rId4">
+            <a:extLst>
+              <a:ext uri="{28A0092B-C50C-407E-A947-70E740481C1C}">
+                <a14:useLocalDpi xmlns:a14="http://schemas.microsoft.com/office/drawing/2010/main" val="0"/>
+              </a:ext>
+            </a:extLst>
+          </a:blip>
+          <a:stretch>
+            <a:fillRect/>
+          </a:stretch>
+        </p:blipFill>
         <p:spPr>
           <a:xfrm>
-            <a:off x="1069675" y="1595887"/>
-            <a:ext cx="2198038" cy="369332"/>
+            <a:off x="2149655" y="3406229"/>
+            <a:ext cx="1080000" cy="1260000"/>
           </a:xfrm>
           <a:prstGeom prst="rect">
             <a:avLst/>
           </a:prstGeom>
-          <a:noFill/>
-        </p:spPr>
-        <p:txBody>
-          <a:bodyPr wrap="none" rtlCol="0">
-            <a:spAutoFit/>
-          </a:bodyPr>
-          <a:lstStyle/>
-          <a:p>
-            <a:r>
-              <a:rPr lang="en-US" dirty="0" smtClean="0"/>
-              <a:t>(Proyecto del 2018)</a:t>
-            </a:r>
-            <a:endParaRPr lang="en-US" dirty="0"/>
-          </a:p>
-        </p:txBody>
-      </p:sp>
-    </p:spTree>
-    <p:extLst>
-      <p:ext uri="{BB962C8B-B14F-4D97-AF65-F5344CB8AC3E}">
-        <p14:creationId xmlns:p14="http://schemas.microsoft.com/office/powerpoint/2010/main" val="1005229075"/>
-      </p:ext>
-    </p:extLst>
-  </p:cSld>
-  <p:clrMapOvr>
-    <a:masterClrMapping/>
-  </p:clrMapOvr>
-  <p:timing>
-    <p:tnLst>
-      <p:par>
-        <p:cTn id="1" dur="indefinite" restart="never" nodeType="tmRoot">
-          <p:childTnLst>
-            <p:seq concurrent="1" nextAc="seek">
-              <p:cTn id="2" dur="indefinite" nodeType="mainSeq">
-                <p:childTnLst>
-                  <p:par>
-                    <p:cTn id="3" fill="hold">
-                      <p:stCondLst>
-                        <p:cond delay="indefinite"/>
-                      </p:stCondLst>
-                      <p:childTnLst>
-                        <p:par>
-                          <p:cTn id="4" fill="hold">
-                            <p:stCondLst>
-                              <p:cond delay="0"/>
-                            </p:stCondLst>
-                            <p:childTnLst>
-                              <p:par>
-                                <p:cTn id="5" presetID="22" presetClass="entr" presetSubtype="8" fill="hold" nodeType="clickEffect">
-                                  <p:stCondLst>
-                                    <p:cond delay="0"/>
-                                  </p:stCondLst>
-                                  <p:childTnLst>
-                                    <p:set>
-                                      <p:cBhvr>
-                                        <p:cTn id="6" dur="1" fill="hold">
-                                          <p:stCondLst>
-                                            <p:cond delay="0"/>
-                                          </p:stCondLst>
-                                        </p:cTn>
-                                        <p:tgtEl>
-                                          <p:spTgt spid="13"/>
-                                        </p:tgtEl>
-                                        <p:attrNameLst>
-                                          <p:attrName>style.visibility</p:attrName>
-                                        </p:attrNameLst>
-                                      </p:cBhvr>
-                                      <p:to>
-                                        <p:strVal val="visible"/>
-                                      </p:to>
-                                    </p:set>
-                                    <p:animEffect transition="in" filter="wipe(left)">
-                                      <p:cBhvr>
-                                        <p:cTn id="7" dur="500"/>
-                                        <p:tgtEl>
-                                          <p:spTgt spid="13"/>
-                                        </p:tgtEl>
-                                      </p:cBhvr>
-                                    </p:animEffect>
-                                  </p:childTnLst>
-                                </p:cTn>
-                              </p:par>
-                            </p:childTnLst>
-                          </p:cTn>
-                        </p:par>
-                      </p:childTnLst>
-                    </p:cTn>
-                  </p:par>
-                  <p:par>
-                    <p:cTn id="8" fill="hold">
-                      <p:stCondLst>
-                        <p:cond delay="indefinite"/>
-                      </p:stCondLst>
-                      <p:childTnLst>
-                        <p:par>
-                          <p:cTn id="9" fill="hold">
-                            <p:stCondLst>
-                              <p:cond delay="0"/>
-                            </p:stCondLst>
-                            <p:childTnLst>
-                              <p:par>
-                                <p:cTn id="10" presetID="1" presetClass="entr" presetSubtype="0" fill="hold" nodeType="clickEffect">
-                                  <p:stCondLst>
-                                    <p:cond delay="0"/>
-                                  </p:stCondLst>
-                                  <p:childTnLst>
-                                    <p:set>
-                                      <p:cBhvr>
-                                        <p:cTn id="11" dur="1" fill="hold">
-                                          <p:stCondLst>
-                                            <p:cond delay="0"/>
-                                          </p:stCondLst>
-                                        </p:cTn>
-                                        <p:tgtEl>
-                                          <p:spTgt spid="17"/>
-                                        </p:tgtEl>
-                                        <p:attrNameLst>
-                                          <p:attrName>style.visibility</p:attrName>
-                                        </p:attrNameLst>
-                                      </p:cBhvr>
-                                      <p:to>
-                                        <p:strVal val="visible"/>
-                                      </p:to>
-                                    </p:set>
-                                  </p:childTnLst>
-                                </p:cTn>
-                              </p:par>
-                            </p:childTnLst>
-                          </p:cTn>
-                        </p:par>
-                      </p:childTnLst>
-                    </p:cTn>
-                  </p:par>
-                </p:childTnLst>
-              </p:cTn>
-              <p:prevCondLst>
-                <p:cond evt="onPrev" delay="0">
-                  <p:tgtEl>
-                    <p:sldTgt/>
-                  </p:tgtEl>
-                </p:cond>
-              </p:prevCondLst>
-              <p:nextCondLst>
-                <p:cond evt="onNext" delay="0">
-                  <p:tgtEl>
-                    <p:sldTgt/>
-                  </p:tgtEl>
-                </p:cond>
-              </p:nextCondLst>
-            </p:seq>
-          </p:childTnLst>
-        </p:cTn>
-      </p:par>
-    </p:tnLst>
-  </p:timing>
-</p:sld>
-</file>
-
-<file path=ppt/slides/slide3.xml><?xml version="1.0" encoding="utf-8"?>
-<p:sld xmlns:a="http://schemas.openxmlformats.org/drawingml/2006/main" xmlns:r="http://schemas.openxmlformats.org/officeDocument/2006/relationships" xmlns:p="http://schemas.openxmlformats.org/presentationml/2006/main">
-  <p:cSld>
-    <p:spTree>
-      <p:nvGrpSpPr>
-        <p:cNvPr id="1" name=""/>
-        <p:cNvGrpSpPr/>
-        <p:nvPr/>
-      </p:nvGrpSpPr>
-      <p:grpSpPr>
-        <a:xfrm>
-          <a:off x="0" y="0"/>
-          <a:ext cx="0" cy="0"/>
-          <a:chOff x="0" y="0"/>
-          <a:chExt cx="0" cy="0"/>
-        </a:xfrm>
-      </p:grpSpPr>
-      <p:sp>
-        <p:nvSpPr>
-          <p:cNvPr id="3" name="TextBox 2"/>
-          <p:cNvSpPr txBox="1"/>
+        </p:spPr>
+      </p:pic>
+      <p:pic>
+        <p:nvPicPr>
+          <p:cNvPr id="6" name="Picture 5"/>
+          <p:cNvPicPr>
+            <a:picLocks/>
+          </p:cNvPicPr>
           <p:nvPr/>
-        </p:nvSpPr>
+        </p:nvPicPr>
+        <p:blipFill>
+          <a:blip r:embed="rId5">
+            <a:extLst>
+              <a:ext uri="{28A0092B-C50C-407E-A947-70E740481C1C}">
+                <a14:useLocalDpi xmlns:a14="http://schemas.microsoft.com/office/drawing/2010/main" val="0"/>
+              </a:ext>
+            </a:extLst>
+          </a:blip>
+          <a:stretch>
+            <a:fillRect/>
+          </a:stretch>
+        </p:blipFill>
         <p:spPr>
           <a:xfrm>
-            <a:off x="1069675" y="1595887"/>
-            <a:ext cx="2198038" cy="369332"/>
+            <a:off x="2146778" y="4854039"/>
+            <a:ext cx="1080000" cy="1260000"/>
           </a:xfrm>
           <a:prstGeom prst="rect">
             <a:avLst/>
           </a:prstGeom>
-          <a:noFill/>
-        </p:spPr>
-        <p:txBody>
-          <a:bodyPr wrap="none" rtlCol="0">
-            <a:spAutoFit/>
-          </a:bodyPr>
-          <a:lstStyle/>
-          <a:p>
-            <a:r>
-              <a:rPr lang="en-US" dirty="0" smtClean="0"/>
-              <a:t>(Proyecto del 2019)</a:t>
-            </a:r>
-            <a:endParaRPr lang="en-US" dirty="0"/>
-          </a:p>
-        </p:txBody>
-      </p:sp>
-      <p:sp>
-        <p:nvSpPr>
-          <p:cNvPr id="7" name="TextBox 6"/>
-          <p:cNvSpPr txBox="1"/>
+        </p:spPr>
+      </p:pic>
+      <p:pic>
+        <p:nvPicPr>
+          <p:cNvPr id="8" name="Picture 7"/>
+          <p:cNvPicPr>
+            <a:picLocks/>
+          </p:cNvPicPr>
           <p:nvPr/>
-        </p:nvSpPr>
+        </p:nvPicPr>
+        <p:blipFill>
+          <a:blip r:embed="rId6">
+            <a:extLst>
+              <a:ext uri="{28A0092B-C50C-407E-A947-70E740481C1C}">
+                <a14:useLocalDpi xmlns:a14="http://schemas.microsoft.com/office/drawing/2010/main" val="0"/>
+              </a:ext>
+            </a:extLst>
+          </a:blip>
+          <a:stretch>
+            <a:fillRect/>
+          </a:stretch>
+        </p:blipFill>
         <p:spPr>
           <a:xfrm>
-            <a:off x="1250830" y="2613804"/>
-            <a:ext cx="2454518" cy="369332"/>
+            <a:off x="4619207" y="3404554"/>
+            <a:ext cx="1080000" cy="1260000"/>
           </a:xfrm>
           <a:prstGeom prst="rect">
             <a:avLst/>
           </a:prstGeom>
-          <a:noFill/>
-        </p:spPr>
-        <p:txBody>
-          <a:bodyPr wrap="none" rtlCol="0">
-            <a:spAutoFit/>
-          </a:bodyPr>
-          <a:lstStyle/>
-          <a:p>
-            <a:r>
-              <a:rPr lang="en-US" dirty="0" smtClean="0"/>
-              <a:t>Se </a:t>
-            </a:r>
-            <a:r>
-              <a:rPr lang="en-US" dirty="0" err="1" smtClean="0"/>
-              <a:t>anunciará</a:t>
-            </a:r>
-            <a:r>
-              <a:rPr lang="en-US" dirty="0" smtClean="0"/>
-              <a:t> pronto...</a:t>
-            </a:r>
-            <a:endParaRPr lang="en-US" dirty="0"/>
-          </a:p>
-        </p:txBody>
-      </p:sp>
+        </p:spPr>
+      </p:pic>
+      <p:pic>
+        <p:nvPicPr>
+          <p:cNvPr id="9" name="Picture 8"/>
+          <p:cNvPicPr>
+            <a:picLocks/>
+          </p:cNvPicPr>
+          <p:nvPr/>
+        </p:nvPicPr>
+        <p:blipFill>
+          <a:blip r:embed="rId7">
+            <a:extLst>
+              <a:ext uri="{28A0092B-C50C-407E-A947-70E740481C1C}">
+                <a14:useLocalDpi xmlns:a14="http://schemas.microsoft.com/office/drawing/2010/main" val="0"/>
+              </a:ext>
+            </a:extLst>
+          </a:blip>
+          <a:stretch>
+            <a:fillRect/>
+          </a:stretch>
+        </p:blipFill>
+        <p:spPr>
+          <a:xfrm>
+            <a:off x="4636938" y="4858829"/>
+            <a:ext cx="1080000" cy="1260000"/>
+          </a:xfrm>
+          <a:prstGeom prst="rect">
+            <a:avLst/>
+          </a:prstGeom>
+        </p:spPr>
+      </p:pic>
+      <p:pic>
+        <p:nvPicPr>
+          <p:cNvPr id="10" name="Picture 9"/>
+          <p:cNvPicPr>
+            <a:picLocks/>
+          </p:cNvPicPr>
+          <p:nvPr/>
+        </p:nvPicPr>
+        <p:blipFill>
+          <a:blip r:embed="rId8">
+            <a:extLst>
+              <a:ext uri="{28A0092B-C50C-407E-A947-70E740481C1C}">
+                <a14:useLocalDpi xmlns:a14="http://schemas.microsoft.com/office/drawing/2010/main" val="0"/>
+              </a:ext>
+            </a:extLst>
+          </a:blip>
+          <a:stretch>
+            <a:fillRect/>
+          </a:stretch>
+        </p:blipFill>
+        <p:spPr>
+          <a:xfrm>
+            <a:off x="3402162" y="3403836"/>
+            <a:ext cx="1080000" cy="1260000"/>
+          </a:xfrm>
+          <a:prstGeom prst="rect">
+            <a:avLst/>
+          </a:prstGeom>
+        </p:spPr>
+      </p:pic>
+      <p:pic>
+        <p:nvPicPr>
+          <p:cNvPr id="11" name="Picture 10"/>
+          <p:cNvPicPr>
+            <a:picLocks/>
+          </p:cNvPicPr>
+          <p:nvPr/>
+        </p:nvPicPr>
+        <p:blipFill>
+          <a:blip r:embed="rId9">
+            <a:extLst>
+              <a:ext uri="{28A0092B-C50C-407E-A947-70E740481C1C}">
+                <a14:useLocalDpi xmlns:a14="http://schemas.microsoft.com/office/drawing/2010/main" val="0"/>
+              </a:ext>
+            </a:extLst>
+          </a:blip>
+          <a:stretch>
+            <a:fillRect/>
+          </a:stretch>
+        </p:blipFill>
+        <p:spPr>
+          <a:xfrm>
+            <a:off x="3397369" y="4855952"/>
+            <a:ext cx="1080000" cy="1260000"/>
+          </a:xfrm>
+          <a:prstGeom prst="rect">
+            <a:avLst/>
+          </a:prstGeom>
+        </p:spPr>
+      </p:pic>
+      <p:pic>
+        <p:nvPicPr>
+          <p:cNvPr id="12" name="Picture 11"/>
+          <p:cNvPicPr>
+            <a:picLocks/>
+          </p:cNvPicPr>
+          <p:nvPr/>
+        </p:nvPicPr>
+        <p:blipFill>
+          <a:blip r:embed="rId10">
+            <a:extLst>
+              <a:ext uri="{28A0092B-C50C-407E-A947-70E740481C1C}">
+                <a14:useLocalDpi xmlns:a14="http://schemas.microsoft.com/office/drawing/2010/main" val="0"/>
+              </a:ext>
+            </a:extLst>
+          </a:blip>
+          <a:stretch>
+            <a:fillRect/>
+          </a:stretch>
+        </p:blipFill>
+        <p:spPr>
+          <a:xfrm>
+            <a:off x="5907179" y="4848286"/>
+            <a:ext cx="1080000" cy="1260000"/>
+          </a:xfrm>
+          <a:prstGeom prst="rect">
+            <a:avLst/>
+          </a:prstGeom>
+        </p:spPr>
+      </p:pic>
+      <p:pic>
+        <p:nvPicPr>
+          <p:cNvPr id="13" name="Picture 12"/>
+          <p:cNvPicPr>
+            <a:picLocks/>
+          </p:cNvPicPr>
+          <p:nvPr/>
+        </p:nvPicPr>
+        <p:blipFill>
+          <a:blip r:embed="rId11">
+            <a:extLst>
+              <a:ext uri="{28A0092B-C50C-407E-A947-70E740481C1C}">
+                <a14:useLocalDpi xmlns:a14="http://schemas.microsoft.com/office/drawing/2010/main" val="0"/>
+              </a:ext>
+            </a:extLst>
+          </a:blip>
+          <a:stretch>
+            <a:fillRect/>
+          </a:stretch>
+        </p:blipFill>
+        <p:spPr>
+          <a:xfrm>
+            <a:off x="5869796" y="3404314"/>
+            <a:ext cx="1080000" cy="1260000"/>
+          </a:xfrm>
+          <a:prstGeom prst="rect">
+            <a:avLst/>
+          </a:prstGeom>
+        </p:spPr>
+      </p:pic>
+      <p:pic>
+        <p:nvPicPr>
+          <p:cNvPr id="14" name="Picture 13"/>
+          <p:cNvPicPr>
+            <a:picLocks/>
+          </p:cNvPicPr>
+          <p:nvPr/>
+        </p:nvPicPr>
+        <p:blipFill>
+          <a:blip r:embed="rId12">
+            <a:extLst>
+              <a:ext uri="{28A0092B-C50C-407E-A947-70E740481C1C}">
+                <a14:useLocalDpi xmlns:a14="http://schemas.microsoft.com/office/drawing/2010/main" val="0"/>
+              </a:ext>
+            </a:extLst>
+          </a:blip>
+          <a:stretch>
+            <a:fillRect/>
+          </a:stretch>
+        </p:blipFill>
+        <p:spPr>
+          <a:xfrm>
+            <a:off x="7098821" y="3409346"/>
+            <a:ext cx="1080000" cy="1260000"/>
+          </a:xfrm>
+          <a:prstGeom prst="rect">
+            <a:avLst/>
+          </a:prstGeom>
+        </p:spPr>
+      </p:pic>
+      <p:pic>
+        <p:nvPicPr>
+          <p:cNvPr id="15" name="Picture 14"/>
+          <p:cNvPicPr>
+            <a:picLocks/>
+          </p:cNvPicPr>
+          <p:nvPr/>
+        </p:nvPicPr>
+        <p:blipFill>
+          <a:blip r:embed="rId13">
+            <a:extLst>
+              <a:ext uri="{28A0092B-C50C-407E-A947-70E740481C1C}">
+                <a14:useLocalDpi xmlns:a14="http://schemas.microsoft.com/office/drawing/2010/main" val="0"/>
+              </a:ext>
+            </a:extLst>
+          </a:blip>
+          <a:stretch>
+            <a:fillRect/>
+          </a:stretch>
+        </p:blipFill>
+        <p:spPr>
+          <a:xfrm>
+            <a:off x="7131658" y="4860027"/>
+            <a:ext cx="1080000" cy="1260000"/>
+          </a:xfrm>
+          <a:prstGeom prst="rect">
+            <a:avLst/>
+          </a:prstGeom>
+        </p:spPr>
+      </p:pic>
     </p:spTree>
     <p:extLst>
       <p:ext uri="{BB962C8B-B14F-4D97-AF65-F5344CB8AC3E}">

--- a/clases/Cap00_Lineas_Generales/program/PAT00_Proyecto.pptx
+++ b/clases/Cap00_Lineas_Generales/program/PAT00_Proyecto.pptx
@@ -669,7 +669,7 @@
           <a:lstStyle/>
           <a:p>
             <a:pPr eaLnBrk="1" hangingPunct="1"/>
-            <a:endParaRPr lang="es-ES" smtClean="0"/>
+            <a:endParaRPr lang="es-ES"/>
           </a:p>
         </p:txBody>
       </p:sp>
@@ -727,7 +727,7 @@
           <a:lstStyle/>
           <a:p>
             <a:r>
-              <a:rPr lang="es-ES" dirty="0" smtClean="0"/>
+              <a:rPr lang="es-ES" dirty="0"/>
               <a:t>Haga clic para modificar el estilo de título del patrón</a:t>
             </a:r>
             <a:endParaRPr lang="es-CL" dirty="0"/>
@@ -795,7 +795,7 @@
           </a:lstStyle>
           <a:p>
             <a:r>
-              <a:rPr lang="es-ES" dirty="0" smtClean="0"/>
+              <a:rPr lang="es-ES" dirty="0"/>
               <a:t>Haga clic para modificar el estilo de subtítulo del patrón</a:t>
             </a:r>
             <a:endParaRPr lang="es-CL" dirty="0"/>
@@ -851,7 +851,7 @@
           <a:lstStyle/>
           <a:p>
             <a:r>
-              <a:rPr lang="es-ES" smtClean="0"/>
+              <a:rPr lang="es-ES"/>
               <a:t>Haga clic para modificar el estilo de título del patrón</a:t>
             </a:r>
             <a:endParaRPr lang="es-CL"/>
@@ -883,35 +883,35 @@
           <a:p>
             <a:pPr lvl="0"/>
             <a:r>
-              <a:rPr lang="es-ES" smtClean="0"/>
+              <a:rPr lang="es-ES"/>
               <a:t>Haga clic para modificar el estilo de texto del patrón</a:t>
             </a:r>
           </a:p>
           <a:p>
             <a:pPr lvl="1"/>
             <a:r>
-              <a:rPr lang="es-ES" smtClean="0"/>
+              <a:rPr lang="es-ES"/>
               <a:t>Segundo nivel</a:t>
             </a:r>
           </a:p>
           <a:p>
             <a:pPr lvl="2"/>
             <a:r>
-              <a:rPr lang="es-ES" smtClean="0"/>
+              <a:rPr lang="es-ES"/>
               <a:t>Tercer nivel</a:t>
             </a:r>
           </a:p>
           <a:p>
             <a:pPr lvl="3"/>
             <a:r>
-              <a:rPr lang="es-ES" smtClean="0"/>
+              <a:rPr lang="es-ES"/>
               <a:t>Cuarto nivel</a:t>
             </a:r>
           </a:p>
           <a:p>
             <a:pPr lvl="4"/>
             <a:r>
-              <a:rPr lang="es-ES" smtClean="0"/>
+              <a:rPr lang="es-ES"/>
               <a:t>Quinto nivel</a:t>
             </a:r>
             <a:endParaRPr lang="es-CL"/>
@@ -967,7 +967,7 @@
           <a:lstStyle/>
           <a:p>
             <a:r>
-              <a:rPr lang="es-ES" smtClean="0"/>
+              <a:rPr lang="es-ES"/>
               <a:t>Haga clic para modificar el estilo de título del patrón</a:t>
             </a:r>
             <a:endParaRPr lang="es-CL"/>
@@ -999,35 +999,35 @@
           <a:p>
             <a:pPr lvl="0"/>
             <a:r>
-              <a:rPr lang="es-ES" smtClean="0"/>
+              <a:rPr lang="es-ES"/>
               <a:t>Haga clic para modificar el estilo de texto del patrón</a:t>
             </a:r>
           </a:p>
           <a:p>
             <a:pPr lvl="1"/>
             <a:r>
-              <a:rPr lang="es-ES" smtClean="0"/>
+              <a:rPr lang="es-ES"/>
               <a:t>Segundo nivel</a:t>
             </a:r>
           </a:p>
           <a:p>
             <a:pPr lvl="2"/>
             <a:r>
-              <a:rPr lang="es-ES" smtClean="0"/>
+              <a:rPr lang="es-ES"/>
               <a:t>Tercer nivel</a:t>
             </a:r>
           </a:p>
           <a:p>
             <a:pPr lvl="3"/>
             <a:r>
-              <a:rPr lang="es-ES" smtClean="0"/>
+              <a:rPr lang="es-ES"/>
               <a:t>Cuarto nivel</a:t>
             </a:r>
           </a:p>
           <a:p>
             <a:pPr lvl="4"/>
             <a:r>
-              <a:rPr lang="es-ES" smtClean="0"/>
+              <a:rPr lang="es-ES"/>
               <a:t>Quinto nivel</a:t>
             </a:r>
             <a:endParaRPr lang="es-CL"/>
@@ -1083,7 +1083,7 @@
           <a:lstStyle/>
           <a:p>
             <a:r>
-              <a:rPr lang="es-ES" smtClean="0"/>
+              <a:rPr lang="es-ES"/>
               <a:t>Haga clic para modificar el estilo de título del patrón</a:t>
             </a:r>
             <a:endParaRPr lang="es-CL"/>
@@ -1151,7 +1151,7 @@
           </a:lstStyle>
           <a:p>
             <a:r>
-              <a:rPr lang="es-ES" smtClean="0"/>
+              <a:rPr lang="es-ES"/>
               <a:t>Haga clic para modificar el estilo de subtítulo del patrón</a:t>
             </a:r>
             <a:endParaRPr lang="es-CL"/>
@@ -1207,7 +1207,7 @@
           <a:lstStyle/>
           <a:p>
             <a:r>
-              <a:rPr lang="es-ES" smtClean="0"/>
+              <a:rPr lang="es-ES"/>
               <a:t>Haga clic para modificar el estilo de título del patrón</a:t>
             </a:r>
             <a:endParaRPr lang="es-CL"/>
@@ -1239,35 +1239,35 @@
           <a:p>
             <a:pPr lvl="0"/>
             <a:r>
-              <a:rPr lang="es-ES" smtClean="0"/>
+              <a:rPr lang="es-ES"/>
               <a:t>Haga clic para modificar el estilo de texto del patrón</a:t>
             </a:r>
           </a:p>
           <a:p>
             <a:pPr lvl="1"/>
             <a:r>
-              <a:rPr lang="es-ES" smtClean="0"/>
+              <a:rPr lang="es-ES"/>
               <a:t>Segundo nivel</a:t>
             </a:r>
           </a:p>
           <a:p>
             <a:pPr lvl="2"/>
             <a:r>
-              <a:rPr lang="es-ES" smtClean="0"/>
+              <a:rPr lang="es-ES"/>
               <a:t>Tercer nivel</a:t>
             </a:r>
           </a:p>
           <a:p>
             <a:pPr lvl="3"/>
             <a:r>
-              <a:rPr lang="es-ES" smtClean="0"/>
+              <a:rPr lang="es-ES"/>
               <a:t>Cuarto nivel</a:t>
             </a:r>
           </a:p>
           <a:p>
             <a:pPr lvl="4"/>
             <a:r>
-              <a:rPr lang="es-ES" smtClean="0"/>
+              <a:rPr lang="es-ES"/>
               <a:t>Quinto nivel</a:t>
             </a:r>
             <a:endParaRPr lang="es-CL"/>
@@ -1327,7 +1327,7 @@
           </a:lstStyle>
           <a:p>
             <a:r>
-              <a:rPr lang="es-ES" smtClean="0"/>
+              <a:rPr lang="es-ES"/>
               <a:t>Haga clic para modificar el estilo de título del patrón</a:t>
             </a:r>
             <a:endParaRPr lang="es-CL"/>
@@ -1396,7 +1396,7 @@
           <a:p>
             <a:pPr lvl="0"/>
             <a:r>
-              <a:rPr lang="es-ES" smtClean="0"/>
+              <a:rPr lang="es-ES"/>
               <a:t>Haga clic para modificar el estilo de texto del patrón</a:t>
             </a:r>
           </a:p>
@@ -1451,7 +1451,7 @@
           <a:lstStyle/>
           <a:p>
             <a:r>
-              <a:rPr lang="es-ES" smtClean="0"/>
+              <a:rPr lang="es-ES"/>
               <a:t>Haga clic para modificar el estilo de título del patrón</a:t>
             </a:r>
             <a:endParaRPr lang="es-CL"/>
@@ -1511,35 +1511,35 @@
           <a:p>
             <a:pPr lvl="0"/>
             <a:r>
-              <a:rPr lang="es-ES" smtClean="0"/>
+              <a:rPr lang="es-ES"/>
               <a:t>Haga clic para modificar el estilo de texto del patrón</a:t>
             </a:r>
           </a:p>
           <a:p>
             <a:pPr lvl="1"/>
             <a:r>
-              <a:rPr lang="es-ES" smtClean="0"/>
+              <a:rPr lang="es-ES"/>
               <a:t>Segundo nivel</a:t>
             </a:r>
           </a:p>
           <a:p>
             <a:pPr lvl="2"/>
             <a:r>
-              <a:rPr lang="es-ES" smtClean="0"/>
+              <a:rPr lang="es-ES"/>
               <a:t>Tercer nivel</a:t>
             </a:r>
           </a:p>
           <a:p>
             <a:pPr lvl="3"/>
             <a:r>
-              <a:rPr lang="es-ES" smtClean="0"/>
+              <a:rPr lang="es-ES"/>
               <a:t>Cuarto nivel</a:t>
             </a:r>
           </a:p>
           <a:p>
             <a:pPr lvl="4"/>
             <a:r>
-              <a:rPr lang="es-ES" smtClean="0"/>
+              <a:rPr lang="es-ES"/>
               <a:t>Quinto nivel</a:t>
             </a:r>
             <a:endParaRPr lang="es-CL"/>
@@ -1599,35 +1599,35 @@
           <a:p>
             <a:pPr lvl="0"/>
             <a:r>
-              <a:rPr lang="es-ES" smtClean="0"/>
+              <a:rPr lang="es-ES"/>
               <a:t>Haga clic para modificar el estilo de texto del patrón</a:t>
             </a:r>
           </a:p>
           <a:p>
             <a:pPr lvl="1"/>
             <a:r>
-              <a:rPr lang="es-ES" smtClean="0"/>
+              <a:rPr lang="es-ES"/>
               <a:t>Segundo nivel</a:t>
             </a:r>
           </a:p>
           <a:p>
             <a:pPr lvl="2"/>
             <a:r>
-              <a:rPr lang="es-ES" smtClean="0"/>
+              <a:rPr lang="es-ES"/>
               <a:t>Tercer nivel</a:t>
             </a:r>
           </a:p>
           <a:p>
             <a:pPr lvl="3"/>
             <a:r>
-              <a:rPr lang="es-ES" smtClean="0"/>
+              <a:rPr lang="es-ES"/>
               <a:t>Cuarto nivel</a:t>
             </a:r>
           </a:p>
           <a:p>
             <a:pPr lvl="4"/>
             <a:r>
-              <a:rPr lang="es-ES" smtClean="0"/>
+              <a:rPr lang="es-ES"/>
               <a:t>Quinto nivel</a:t>
             </a:r>
             <a:endParaRPr lang="es-CL"/>
@@ -1687,7 +1687,7 @@
           </a:lstStyle>
           <a:p>
             <a:r>
-              <a:rPr lang="es-ES" smtClean="0"/>
+              <a:rPr lang="es-ES"/>
               <a:t>Haga clic para modificar el estilo de título del patrón</a:t>
             </a:r>
             <a:endParaRPr lang="es-CL"/>
@@ -1756,7 +1756,7 @@
           <a:p>
             <a:pPr lvl="0"/>
             <a:r>
-              <a:rPr lang="es-ES" smtClean="0"/>
+              <a:rPr lang="es-ES"/>
               <a:t>Haga clic para modificar el estilo de texto del patrón</a:t>
             </a:r>
           </a:p>
@@ -1815,35 +1815,35 @@
           <a:p>
             <a:pPr lvl="0"/>
             <a:r>
-              <a:rPr lang="es-ES" smtClean="0"/>
+              <a:rPr lang="es-ES"/>
               <a:t>Haga clic para modificar el estilo de texto del patrón</a:t>
             </a:r>
           </a:p>
           <a:p>
             <a:pPr lvl="1"/>
             <a:r>
-              <a:rPr lang="es-ES" smtClean="0"/>
+              <a:rPr lang="es-ES"/>
               <a:t>Segundo nivel</a:t>
             </a:r>
           </a:p>
           <a:p>
             <a:pPr lvl="2"/>
             <a:r>
-              <a:rPr lang="es-ES" smtClean="0"/>
+              <a:rPr lang="es-ES"/>
               <a:t>Tercer nivel</a:t>
             </a:r>
           </a:p>
           <a:p>
             <a:pPr lvl="3"/>
             <a:r>
-              <a:rPr lang="es-ES" smtClean="0"/>
+              <a:rPr lang="es-ES"/>
               <a:t>Cuarto nivel</a:t>
             </a:r>
           </a:p>
           <a:p>
             <a:pPr lvl="4"/>
             <a:r>
-              <a:rPr lang="es-ES" smtClean="0"/>
+              <a:rPr lang="es-ES"/>
               <a:t>Quinto nivel</a:t>
             </a:r>
             <a:endParaRPr lang="es-CL"/>
@@ -1912,7 +1912,7 @@
           <a:p>
             <a:pPr lvl="0"/>
             <a:r>
-              <a:rPr lang="es-ES" smtClean="0"/>
+              <a:rPr lang="es-ES"/>
               <a:t>Haga clic para modificar el estilo de texto del patrón</a:t>
             </a:r>
           </a:p>
@@ -1971,35 +1971,35 @@
           <a:p>
             <a:pPr lvl="0"/>
             <a:r>
-              <a:rPr lang="es-ES" smtClean="0"/>
+              <a:rPr lang="es-ES"/>
               <a:t>Haga clic para modificar el estilo de texto del patrón</a:t>
             </a:r>
           </a:p>
           <a:p>
             <a:pPr lvl="1"/>
             <a:r>
-              <a:rPr lang="es-ES" smtClean="0"/>
+              <a:rPr lang="es-ES"/>
               <a:t>Segundo nivel</a:t>
             </a:r>
           </a:p>
           <a:p>
             <a:pPr lvl="2"/>
             <a:r>
-              <a:rPr lang="es-ES" smtClean="0"/>
+              <a:rPr lang="es-ES"/>
               <a:t>Tercer nivel</a:t>
             </a:r>
           </a:p>
           <a:p>
             <a:pPr lvl="3"/>
             <a:r>
-              <a:rPr lang="es-ES" smtClean="0"/>
+              <a:rPr lang="es-ES"/>
               <a:t>Cuarto nivel</a:t>
             </a:r>
           </a:p>
           <a:p>
             <a:pPr lvl="4"/>
             <a:r>
-              <a:rPr lang="es-ES" smtClean="0"/>
+              <a:rPr lang="es-ES"/>
               <a:t>Quinto nivel</a:t>
             </a:r>
             <a:endParaRPr lang="es-CL"/>
@@ -2055,7 +2055,7 @@
           <a:lstStyle/>
           <a:p>
             <a:r>
-              <a:rPr lang="es-ES" smtClean="0"/>
+              <a:rPr lang="es-ES"/>
               <a:t>Haga clic para modificar el estilo de título del patrón</a:t>
             </a:r>
             <a:endParaRPr lang="es-CL"/>
@@ -2140,7 +2140,7 @@
           </a:lstStyle>
           <a:p>
             <a:r>
-              <a:rPr lang="es-ES" smtClean="0"/>
+              <a:rPr lang="es-ES"/>
               <a:t>Haga clic para modificar el estilo de título del patrón</a:t>
             </a:r>
             <a:endParaRPr lang="es-CL"/>
@@ -2200,35 +2200,35 @@
           <a:p>
             <a:pPr lvl="0"/>
             <a:r>
-              <a:rPr lang="es-ES" smtClean="0"/>
+              <a:rPr lang="es-ES"/>
               <a:t>Haga clic para modificar el estilo de texto del patrón</a:t>
             </a:r>
           </a:p>
           <a:p>
             <a:pPr lvl="1"/>
             <a:r>
-              <a:rPr lang="es-ES" smtClean="0"/>
+              <a:rPr lang="es-ES"/>
               <a:t>Segundo nivel</a:t>
             </a:r>
           </a:p>
           <a:p>
             <a:pPr lvl="2"/>
             <a:r>
-              <a:rPr lang="es-ES" smtClean="0"/>
+              <a:rPr lang="es-ES"/>
               <a:t>Tercer nivel</a:t>
             </a:r>
           </a:p>
           <a:p>
             <a:pPr lvl="3"/>
             <a:r>
-              <a:rPr lang="es-ES" smtClean="0"/>
+              <a:rPr lang="es-ES"/>
               <a:t>Cuarto nivel</a:t>
             </a:r>
           </a:p>
           <a:p>
             <a:pPr lvl="4"/>
             <a:r>
-              <a:rPr lang="es-ES" smtClean="0"/>
+              <a:rPr lang="es-ES"/>
               <a:t>Quinto nivel</a:t>
             </a:r>
             <a:endParaRPr lang="es-CL"/>
@@ -2297,7 +2297,7 @@
           <a:p>
             <a:pPr lvl="0"/>
             <a:r>
-              <a:rPr lang="es-ES" smtClean="0"/>
+              <a:rPr lang="es-ES"/>
               <a:t>Haga clic para modificar el estilo de texto del patrón</a:t>
             </a:r>
           </a:p>
@@ -2352,7 +2352,7 @@
           <a:lstStyle/>
           <a:p>
             <a:r>
-              <a:rPr lang="es-ES" smtClean="0"/>
+              <a:rPr lang="es-ES"/>
               <a:t>Haga clic para modificar el estilo de título del patrón</a:t>
             </a:r>
             <a:endParaRPr lang="es-CL"/>
@@ -2384,35 +2384,35 @@
           <a:p>
             <a:pPr lvl="0"/>
             <a:r>
-              <a:rPr lang="es-ES" smtClean="0"/>
+              <a:rPr lang="es-ES"/>
               <a:t>Haga clic para modificar el estilo de texto del patrón</a:t>
             </a:r>
           </a:p>
           <a:p>
             <a:pPr lvl="1"/>
             <a:r>
-              <a:rPr lang="es-ES" smtClean="0"/>
+              <a:rPr lang="es-ES"/>
               <a:t>Segundo nivel</a:t>
             </a:r>
           </a:p>
           <a:p>
             <a:pPr lvl="2"/>
             <a:r>
-              <a:rPr lang="es-ES" smtClean="0"/>
+              <a:rPr lang="es-ES"/>
               <a:t>Tercer nivel</a:t>
             </a:r>
           </a:p>
           <a:p>
             <a:pPr lvl="3"/>
             <a:r>
-              <a:rPr lang="es-ES" smtClean="0"/>
+              <a:rPr lang="es-ES"/>
               <a:t>Cuarto nivel</a:t>
             </a:r>
           </a:p>
           <a:p>
             <a:pPr lvl="4"/>
             <a:r>
-              <a:rPr lang="es-ES" smtClean="0"/>
+              <a:rPr lang="es-ES"/>
               <a:t>Quinto nivel</a:t>
             </a:r>
             <a:endParaRPr lang="es-CL"/>
@@ -2472,7 +2472,7 @@
           </a:lstStyle>
           <a:p>
             <a:r>
-              <a:rPr lang="es-ES" smtClean="0"/>
+              <a:rPr lang="es-ES"/>
               <a:t>Haga clic para modificar el estilo de título del patrón</a:t>
             </a:r>
             <a:endParaRPr lang="es-CL"/>
@@ -2540,7 +2540,7 @@
           </a:lstStyle>
           <a:p>
             <a:pPr lvl="0"/>
-            <a:endParaRPr lang="es-CL" noProof="0" smtClean="0"/>
+            <a:endParaRPr lang="es-CL" noProof="0"/>
           </a:p>
         </p:txBody>
       </p:sp>
@@ -2606,7 +2606,7 @@
           <a:p>
             <a:pPr lvl="0"/>
             <a:r>
-              <a:rPr lang="es-ES" smtClean="0"/>
+              <a:rPr lang="es-ES"/>
               <a:t>Haga clic para modificar el estilo de texto del patrón</a:t>
             </a:r>
           </a:p>
@@ -2661,7 +2661,7 @@
           <a:lstStyle/>
           <a:p>
             <a:r>
-              <a:rPr lang="es-ES" smtClean="0"/>
+              <a:rPr lang="es-ES"/>
               <a:t>Haga clic para modificar el estilo de título del patrón</a:t>
             </a:r>
             <a:endParaRPr lang="es-CL"/>
@@ -2693,35 +2693,35 @@
           <a:p>
             <a:pPr lvl="0"/>
             <a:r>
-              <a:rPr lang="es-ES" smtClean="0"/>
+              <a:rPr lang="es-ES"/>
               <a:t>Haga clic para modificar el estilo de texto del patrón</a:t>
             </a:r>
           </a:p>
           <a:p>
             <a:pPr lvl="1"/>
             <a:r>
-              <a:rPr lang="es-ES" smtClean="0"/>
+              <a:rPr lang="es-ES"/>
               <a:t>Segundo nivel</a:t>
             </a:r>
           </a:p>
           <a:p>
             <a:pPr lvl="2"/>
             <a:r>
-              <a:rPr lang="es-ES" smtClean="0"/>
+              <a:rPr lang="es-ES"/>
               <a:t>Tercer nivel</a:t>
             </a:r>
           </a:p>
           <a:p>
             <a:pPr lvl="3"/>
             <a:r>
-              <a:rPr lang="es-ES" smtClean="0"/>
+              <a:rPr lang="es-ES"/>
               <a:t>Cuarto nivel</a:t>
             </a:r>
           </a:p>
           <a:p>
             <a:pPr lvl="4"/>
             <a:r>
-              <a:rPr lang="es-ES" smtClean="0"/>
+              <a:rPr lang="es-ES"/>
               <a:t>Quinto nivel</a:t>
             </a:r>
             <a:endParaRPr lang="es-CL"/>
@@ -2777,7 +2777,7 @@
           <a:lstStyle/>
           <a:p>
             <a:r>
-              <a:rPr lang="es-ES" smtClean="0"/>
+              <a:rPr lang="es-ES"/>
               <a:t>Haga clic para modificar el estilo de título del patrón</a:t>
             </a:r>
             <a:endParaRPr lang="es-CL"/>
@@ -2809,35 +2809,35 @@
           <a:p>
             <a:pPr lvl="0"/>
             <a:r>
-              <a:rPr lang="es-ES" smtClean="0"/>
+              <a:rPr lang="es-ES"/>
               <a:t>Haga clic para modificar el estilo de texto del patrón</a:t>
             </a:r>
           </a:p>
           <a:p>
             <a:pPr lvl="1"/>
             <a:r>
-              <a:rPr lang="es-ES" smtClean="0"/>
+              <a:rPr lang="es-ES"/>
               <a:t>Segundo nivel</a:t>
             </a:r>
           </a:p>
           <a:p>
             <a:pPr lvl="2"/>
             <a:r>
-              <a:rPr lang="es-ES" smtClean="0"/>
+              <a:rPr lang="es-ES"/>
               <a:t>Tercer nivel</a:t>
             </a:r>
           </a:p>
           <a:p>
             <a:pPr lvl="3"/>
             <a:r>
-              <a:rPr lang="es-ES" smtClean="0"/>
+              <a:rPr lang="es-ES"/>
               <a:t>Cuarto nivel</a:t>
             </a:r>
           </a:p>
           <a:p>
             <a:pPr lvl="4"/>
             <a:r>
-              <a:rPr lang="es-ES" smtClean="0"/>
+              <a:rPr lang="es-ES"/>
               <a:t>Quinto nivel</a:t>
             </a:r>
             <a:endParaRPr lang="es-CL"/>
@@ -2897,7 +2897,7 @@
           </a:lstStyle>
           <a:p>
             <a:r>
-              <a:rPr lang="es-ES" smtClean="0"/>
+              <a:rPr lang="es-ES"/>
               <a:t>Haga clic para modificar el estilo de título del patrón</a:t>
             </a:r>
             <a:endParaRPr lang="es-CL"/>
@@ -2966,7 +2966,7 @@
           <a:p>
             <a:pPr lvl="0"/>
             <a:r>
-              <a:rPr lang="es-ES" smtClean="0"/>
+              <a:rPr lang="es-ES"/>
               <a:t>Haga clic para modificar el estilo de texto del patrón</a:t>
             </a:r>
           </a:p>
@@ -3021,7 +3021,7 @@
           <a:lstStyle/>
           <a:p>
             <a:r>
-              <a:rPr lang="es-ES" smtClean="0"/>
+              <a:rPr lang="es-ES"/>
               <a:t>Haga clic para modificar el estilo de título del patrón</a:t>
             </a:r>
             <a:endParaRPr lang="es-CL"/>
@@ -3081,35 +3081,35 @@
           <a:p>
             <a:pPr lvl="0"/>
             <a:r>
-              <a:rPr lang="es-ES" smtClean="0"/>
+              <a:rPr lang="es-ES"/>
               <a:t>Haga clic para modificar el estilo de texto del patrón</a:t>
             </a:r>
           </a:p>
           <a:p>
             <a:pPr lvl="1"/>
             <a:r>
-              <a:rPr lang="es-ES" smtClean="0"/>
+              <a:rPr lang="es-ES"/>
               <a:t>Segundo nivel</a:t>
             </a:r>
           </a:p>
           <a:p>
             <a:pPr lvl="2"/>
             <a:r>
-              <a:rPr lang="es-ES" smtClean="0"/>
+              <a:rPr lang="es-ES"/>
               <a:t>Tercer nivel</a:t>
             </a:r>
           </a:p>
           <a:p>
             <a:pPr lvl="3"/>
             <a:r>
-              <a:rPr lang="es-ES" smtClean="0"/>
+              <a:rPr lang="es-ES"/>
               <a:t>Cuarto nivel</a:t>
             </a:r>
           </a:p>
           <a:p>
             <a:pPr lvl="4"/>
             <a:r>
-              <a:rPr lang="es-ES" smtClean="0"/>
+              <a:rPr lang="es-ES"/>
               <a:t>Quinto nivel</a:t>
             </a:r>
             <a:endParaRPr lang="es-CL"/>
@@ -3169,35 +3169,35 @@
           <a:p>
             <a:pPr lvl="0"/>
             <a:r>
-              <a:rPr lang="es-ES" smtClean="0"/>
+              <a:rPr lang="es-ES"/>
               <a:t>Haga clic para modificar el estilo de texto del patrón</a:t>
             </a:r>
           </a:p>
           <a:p>
             <a:pPr lvl="1"/>
             <a:r>
-              <a:rPr lang="es-ES" smtClean="0"/>
+              <a:rPr lang="es-ES"/>
               <a:t>Segundo nivel</a:t>
             </a:r>
           </a:p>
           <a:p>
             <a:pPr lvl="2"/>
             <a:r>
-              <a:rPr lang="es-ES" smtClean="0"/>
+              <a:rPr lang="es-ES"/>
               <a:t>Tercer nivel</a:t>
             </a:r>
           </a:p>
           <a:p>
             <a:pPr lvl="3"/>
             <a:r>
-              <a:rPr lang="es-ES" smtClean="0"/>
+              <a:rPr lang="es-ES"/>
               <a:t>Cuarto nivel</a:t>
             </a:r>
           </a:p>
           <a:p>
             <a:pPr lvl="4"/>
             <a:r>
-              <a:rPr lang="es-ES" smtClean="0"/>
+              <a:rPr lang="es-ES"/>
               <a:t>Quinto nivel</a:t>
             </a:r>
             <a:endParaRPr lang="es-CL"/>
@@ -3257,7 +3257,7 @@
           </a:lstStyle>
           <a:p>
             <a:r>
-              <a:rPr lang="es-ES" smtClean="0"/>
+              <a:rPr lang="es-ES"/>
               <a:t>Haga clic para modificar el estilo de título del patrón</a:t>
             </a:r>
             <a:endParaRPr lang="es-CL"/>
@@ -3326,7 +3326,7 @@
           <a:p>
             <a:pPr lvl="0"/>
             <a:r>
-              <a:rPr lang="es-ES" smtClean="0"/>
+              <a:rPr lang="es-ES"/>
               <a:t>Haga clic para modificar el estilo de texto del patrón</a:t>
             </a:r>
           </a:p>
@@ -3385,35 +3385,35 @@
           <a:p>
             <a:pPr lvl="0"/>
             <a:r>
-              <a:rPr lang="es-ES" smtClean="0"/>
+              <a:rPr lang="es-ES"/>
               <a:t>Haga clic para modificar el estilo de texto del patrón</a:t>
             </a:r>
           </a:p>
           <a:p>
             <a:pPr lvl="1"/>
             <a:r>
-              <a:rPr lang="es-ES" smtClean="0"/>
+              <a:rPr lang="es-ES"/>
               <a:t>Segundo nivel</a:t>
             </a:r>
           </a:p>
           <a:p>
             <a:pPr lvl="2"/>
             <a:r>
-              <a:rPr lang="es-ES" smtClean="0"/>
+              <a:rPr lang="es-ES"/>
               <a:t>Tercer nivel</a:t>
             </a:r>
           </a:p>
           <a:p>
             <a:pPr lvl="3"/>
             <a:r>
-              <a:rPr lang="es-ES" smtClean="0"/>
+              <a:rPr lang="es-ES"/>
               <a:t>Cuarto nivel</a:t>
             </a:r>
           </a:p>
           <a:p>
             <a:pPr lvl="4"/>
             <a:r>
-              <a:rPr lang="es-ES" smtClean="0"/>
+              <a:rPr lang="es-ES"/>
               <a:t>Quinto nivel</a:t>
             </a:r>
             <a:endParaRPr lang="es-CL"/>
@@ -3482,7 +3482,7 @@
           <a:p>
             <a:pPr lvl="0"/>
             <a:r>
-              <a:rPr lang="es-ES" smtClean="0"/>
+              <a:rPr lang="es-ES"/>
               <a:t>Haga clic para modificar el estilo de texto del patrón</a:t>
             </a:r>
           </a:p>
@@ -3541,35 +3541,35 @@
           <a:p>
             <a:pPr lvl="0"/>
             <a:r>
-              <a:rPr lang="es-ES" smtClean="0"/>
+              <a:rPr lang="es-ES"/>
               <a:t>Haga clic para modificar el estilo de texto del patrón</a:t>
             </a:r>
           </a:p>
           <a:p>
             <a:pPr lvl="1"/>
             <a:r>
-              <a:rPr lang="es-ES" smtClean="0"/>
+              <a:rPr lang="es-ES"/>
               <a:t>Segundo nivel</a:t>
             </a:r>
           </a:p>
           <a:p>
             <a:pPr lvl="2"/>
             <a:r>
-              <a:rPr lang="es-ES" smtClean="0"/>
+              <a:rPr lang="es-ES"/>
               <a:t>Tercer nivel</a:t>
             </a:r>
           </a:p>
           <a:p>
             <a:pPr lvl="3"/>
             <a:r>
-              <a:rPr lang="es-ES" smtClean="0"/>
+              <a:rPr lang="es-ES"/>
               <a:t>Cuarto nivel</a:t>
             </a:r>
           </a:p>
           <a:p>
             <a:pPr lvl="4"/>
             <a:r>
-              <a:rPr lang="es-ES" smtClean="0"/>
+              <a:rPr lang="es-ES"/>
               <a:t>Quinto nivel</a:t>
             </a:r>
             <a:endParaRPr lang="es-CL"/>
@@ -3625,7 +3625,7 @@
           <a:lstStyle/>
           <a:p>
             <a:r>
-              <a:rPr lang="es-ES" smtClean="0"/>
+              <a:rPr lang="es-ES"/>
               <a:t>Haga clic para modificar el estilo de título del patrón</a:t>
             </a:r>
             <a:endParaRPr lang="es-CL"/>
@@ -3710,7 +3710,7 @@
           </a:lstStyle>
           <a:p>
             <a:r>
-              <a:rPr lang="es-ES" smtClean="0"/>
+              <a:rPr lang="es-ES"/>
               <a:t>Haga clic para modificar el estilo de título del patrón</a:t>
             </a:r>
             <a:endParaRPr lang="es-CL"/>
@@ -3770,35 +3770,35 @@
           <a:p>
             <a:pPr lvl="0"/>
             <a:r>
-              <a:rPr lang="es-ES" smtClean="0"/>
+              <a:rPr lang="es-ES"/>
               <a:t>Haga clic para modificar el estilo de texto del patrón</a:t>
             </a:r>
           </a:p>
           <a:p>
             <a:pPr lvl="1"/>
             <a:r>
-              <a:rPr lang="es-ES" smtClean="0"/>
+              <a:rPr lang="es-ES"/>
               <a:t>Segundo nivel</a:t>
             </a:r>
           </a:p>
           <a:p>
             <a:pPr lvl="2"/>
             <a:r>
-              <a:rPr lang="es-ES" smtClean="0"/>
+              <a:rPr lang="es-ES"/>
               <a:t>Tercer nivel</a:t>
             </a:r>
           </a:p>
           <a:p>
             <a:pPr lvl="3"/>
             <a:r>
-              <a:rPr lang="es-ES" smtClean="0"/>
+              <a:rPr lang="es-ES"/>
               <a:t>Cuarto nivel</a:t>
             </a:r>
           </a:p>
           <a:p>
             <a:pPr lvl="4"/>
             <a:r>
-              <a:rPr lang="es-ES" smtClean="0"/>
+              <a:rPr lang="es-ES"/>
               <a:t>Quinto nivel</a:t>
             </a:r>
             <a:endParaRPr lang="es-CL"/>
@@ -3867,7 +3867,7 @@
           <a:p>
             <a:pPr lvl="0"/>
             <a:r>
-              <a:rPr lang="es-ES" smtClean="0"/>
+              <a:rPr lang="es-ES"/>
               <a:t>Haga clic para modificar el estilo de texto del patrón</a:t>
             </a:r>
           </a:p>
@@ -3926,7 +3926,7 @@
           </a:lstStyle>
           <a:p>
             <a:r>
-              <a:rPr lang="es-ES" smtClean="0"/>
+              <a:rPr lang="es-ES"/>
               <a:t>Haga clic para modificar el estilo de título del patrón</a:t>
             </a:r>
             <a:endParaRPr lang="es-CL"/>
@@ -3994,7 +3994,7 @@
           </a:lstStyle>
           <a:p>
             <a:pPr lvl="0"/>
-            <a:endParaRPr lang="es-CL" noProof="0" smtClean="0"/>
+            <a:endParaRPr lang="es-CL" noProof="0"/>
           </a:p>
         </p:txBody>
       </p:sp>
@@ -4060,7 +4060,7 @@
           <a:p>
             <a:pPr lvl="0"/>
             <a:r>
-              <a:rPr lang="es-ES" smtClean="0"/>
+              <a:rPr lang="es-ES"/>
               <a:t>Haga clic para modificar el estilo de texto del patrón</a:t>
             </a:r>
           </a:p>
@@ -4115,13 +4115,6 @@
     <p:sldLayoutId id="2147483661" r:id="rId10"/>
     <p:sldLayoutId id="2147483662" r:id="rId11"/>
   </p:sldLayoutIdLst>
-  <p:timing>
-    <p:tnLst>
-      <p:par>
-        <p:cTn id="1" dur="indefinite" restart="never" nodeType="tmRoot"/>
-      </p:par>
-    </p:tnLst>
-  </p:timing>
   <p:txStyles>
     <p:titleStyle>
       <a:lvl1pPr algn="ctr" rtl="0" eaLnBrk="0" fontAlgn="base" hangingPunct="0">
@@ -5020,13 +5013,6 @@
     <p:sldLayoutId id="2147483672" r:id="rId10"/>
     <p:sldLayoutId id="2147483673" r:id="rId11"/>
   </p:sldLayoutIdLst>
-  <p:timing>
-    <p:tnLst>
-      <p:par>
-        <p:cTn id="1" dur="indefinite" restart="never" nodeType="tmRoot"/>
-      </p:par>
-    </p:tnLst>
-  </p:timing>
   <p:txStyles>
     <p:titleStyle>
       <a:lvl1pPr algn="ctr" rtl="0" eaLnBrk="0" fontAlgn="base" hangingPunct="0">
@@ -5457,7 +5443,7 @@
           <a:p>
             <a:pPr algn="ctr"/>
             <a:r>
-              <a:rPr lang="es-CL" sz="2400" dirty="0" smtClean="0">
+              <a:rPr lang="es-CL" sz="2400" dirty="0">
                 <a:solidFill>
                   <a:srgbClr val="FF0000"/>
                 </a:solidFill>
@@ -5466,7 +5452,7 @@
               <a:t>R</a:t>
             </a:r>
             <a:r>
-              <a:rPr lang="es-CL" sz="2400" dirty="0" smtClean="0">
+              <a:rPr lang="es-CL" sz="2400" dirty="0">
                 <a:solidFill>
                   <a:srgbClr val="3366FF"/>
                 </a:solidFill>
@@ -5475,7 +5461,7 @@
               <a:t>e</a:t>
             </a:r>
             <a:r>
-              <a:rPr lang="es-CL" sz="2400" dirty="0" smtClean="0">
+              <a:rPr lang="es-CL" sz="2400" dirty="0">
                 <a:solidFill>
                   <a:srgbClr val="FFFF00"/>
                 </a:solidFill>
@@ -5484,7 +5470,7 @@
               <a:t>c</a:t>
             </a:r>
             <a:r>
-              <a:rPr lang="es-CL" sz="2400" dirty="0" smtClean="0">
+              <a:rPr lang="es-CL" sz="2400" dirty="0">
                 <a:solidFill>
                   <a:srgbClr val="00FF00"/>
                 </a:solidFill>
@@ -5493,7 +5479,7 @@
               <a:t>o</a:t>
             </a:r>
             <a:r>
-              <a:rPr lang="es-CL" sz="2400" dirty="0" smtClean="0">
+              <a:rPr lang="es-CL" sz="2400" dirty="0">
                 <a:solidFill>
                   <a:schemeClr val="bg1"/>
                 </a:solidFill>
@@ -5502,7 +5488,7 @@
               <a:t>n</a:t>
             </a:r>
             <a:r>
-              <a:rPr lang="es-CL" sz="2400" dirty="0" smtClean="0">
+              <a:rPr lang="es-CL" sz="2400" dirty="0">
                 <a:solidFill>
                   <a:srgbClr val="FF6600"/>
                 </a:solidFill>
@@ -5511,7 +5497,7 @@
               <a:t>o</a:t>
             </a:r>
             <a:r>
-              <a:rPr lang="es-CL" sz="2400" dirty="0" smtClean="0">
+              <a:rPr lang="es-CL" sz="2400" dirty="0">
                 <a:solidFill>
                   <a:srgbClr val="FF0000"/>
                 </a:solidFill>
@@ -5520,7 +5506,7 @@
               <a:t>c</a:t>
             </a:r>
             <a:r>
-              <a:rPr lang="es-CL" sz="2400" dirty="0" smtClean="0">
+              <a:rPr lang="es-CL" sz="2400" dirty="0">
                 <a:solidFill>
                   <a:srgbClr val="3366FF"/>
                 </a:solidFill>
@@ -5529,7 +5515,7 @@
               <a:t>i</a:t>
             </a:r>
             <a:r>
-              <a:rPr lang="es-CL" sz="2400" dirty="0" smtClean="0">
+              <a:rPr lang="es-CL" sz="2400" dirty="0">
                 <a:solidFill>
                   <a:schemeClr val="bg1"/>
                 </a:solidFill>
@@ -5538,7 +5524,7 @@
               <a:t>m</a:t>
             </a:r>
             <a:r>
-              <a:rPr lang="es-CL" sz="2400" dirty="0" smtClean="0">
+              <a:rPr lang="es-CL" sz="2400" dirty="0">
                 <a:solidFill>
                   <a:srgbClr val="FFFF00"/>
                 </a:solidFill>
@@ -5547,7 +5533,7 @@
               <a:t>i</a:t>
             </a:r>
             <a:r>
-              <a:rPr lang="es-CL" sz="2400" dirty="0" smtClean="0">
+              <a:rPr lang="es-CL" sz="2400" dirty="0">
                 <a:solidFill>
                   <a:srgbClr val="00FF00"/>
                 </a:solidFill>
@@ -5556,7 +5542,7 @@
               <a:t>e</a:t>
             </a:r>
             <a:r>
-              <a:rPr lang="es-CL" sz="2400" dirty="0" smtClean="0">
+              <a:rPr lang="es-CL" sz="2400" dirty="0">
                 <a:solidFill>
                   <a:schemeClr val="bg1"/>
                 </a:solidFill>
@@ -5565,7 +5551,7 @@
               <a:t>n</a:t>
             </a:r>
             <a:r>
-              <a:rPr lang="es-CL" sz="2400" dirty="0" smtClean="0">
+              <a:rPr lang="es-CL" sz="2400" dirty="0">
                 <a:solidFill>
                   <a:srgbClr val="FF6600"/>
                 </a:solidFill>
@@ -5574,7 +5560,7 @@
               <a:t>t</a:t>
             </a:r>
             <a:r>
-              <a:rPr lang="es-CL" sz="2400" dirty="0" smtClean="0">
+              <a:rPr lang="es-CL" sz="2400" dirty="0">
                 <a:solidFill>
                   <a:srgbClr val="FF0000"/>
                 </a:solidFill>
@@ -5583,7 +5569,7 @@
               <a:t>o</a:t>
             </a:r>
             <a:r>
-              <a:rPr lang="es-CL" sz="2400" dirty="0" smtClean="0">
+              <a:rPr lang="es-CL" sz="2400" dirty="0">
                 <a:solidFill>
                   <a:srgbClr val="3333CC"/>
                 </a:solidFill>
@@ -5592,7 +5578,7 @@
               <a:t> </a:t>
             </a:r>
             <a:r>
-              <a:rPr lang="es-CL" sz="2400" dirty="0" smtClean="0">
+              <a:rPr lang="es-CL" sz="2400" dirty="0">
                 <a:solidFill>
                   <a:srgbClr val="3366FF"/>
                 </a:solidFill>
@@ -5601,7 +5587,7 @@
               <a:t>d</a:t>
             </a:r>
             <a:r>
-              <a:rPr lang="es-CL" sz="2400" dirty="0" smtClean="0">
+              <a:rPr lang="es-CL" sz="2400" dirty="0">
                 <a:solidFill>
                   <a:srgbClr val="FFFF00"/>
                 </a:solidFill>
@@ -5610,7 +5596,7 @@
               <a:t>e </a:t>
             </a:r>
             <a:r>
-              <a:rPr lang="es-CL" sz="2400" dirty="0" smtClean="0">
+              <a:rPr lang="es-CL" sz="2400" dirty="0">
                 <a:solidFill>
                   <a:srgbClr val="00FF00"/>
                 </a:solidFill>
@@ -5619,7 +5605,7 @@
               <a:t>P</a:t>
             </a:r>
             <a:r>
-              <a:rPr lang="es-CL" sz="2400" dirty="0" smtClean="0">
+              <a:rPr lang="es-CL" sz="2400" dirty="0">
                 <a:solidFill>
                   <a:schemeClr val="bg1"/>
                 </a:solidFill>
@@ -5628,7 +5614,7 @@
               <a:t>a</a:t>
             </a:r>
             <a:r>
-              <a:rPr lang="es-CL" sz="2400" dirty="0" smtClean="0">
+              <a:rPr lang="es-CL" sz="2400" dirty="0">
                 <a:solidFill>
                   <a:srgbClr val="FF6600"/>
                 </a:solidFill>
@@ -5637,7 +5623,7 @@
               <a:t>t</a:t>
             </a:r>
             <a:r>
-              <a:rPr lang="es-CL" sz="2400" dirty="0" smtClean="0">
+              <a:rPr lang="es-CL" sz="2400" dirty="0">
                 <a:solidFill>
                   <a:srgbClr val="FF0000"/>
                 </a:solidFill>
@@ -5646,7 +5632,7 @@
               <a:t>r</a:t>
             </a:r>
             <a:r>
-              <a:rPr lang="es-CL" sz="2400" dirty="0" smtClean="0">
+              <a:rPr lang="es-CL" sz="2400" dirty="0">
                 <a:solidFill>
                   <a:srgbClr val="3366FF"/>
                 </a:solidFill>
@@ -5655,7 +5641,7 @@
               <a:t>o</a:t>
             </a:r>
             <a:r>
-              <a:rPr lang="es-CL" sz="2400" dirty="0" smtClean="0">
+              <a:rPr lang="es-CL" sz="2400" dirty="0">
                 <a:solidFill>
                   <a:srgbClr val="FFFF00"/>
                 </a:solidFill>
@@ -5664,7 +5650,7 @@
               <a:t>n</a:t>
             </a:r>
             <a:r>
-              <a:rPr lang="es-CL" sz="2400" dirty="0" smtClean="0">
+              <a:rPr lang="es-CL" sz="2400" dirty="0">
                 <a:solidFill>
                   <a:srgbClr val="00FF00"/>
                 </a:solidFill>
@@ -5673,7 +5659,7 @@
               <a:t>e</a:t>
             </a:r>
             <a:r>
-              <a:rPr lang="es-CL" sz="2400" dirty="0" smtClean="0">
+              <a:rPr lang="es-CL" sz="2400" dirty="0">
                 <a:solidFill>
                   <a:schemeClr val="bg1"/>
                 </a:solidFill>
@@ -5681,7 +5667,7 @@
               </a:rPr>
               <a:t>s</a:t>
             </a:r>
-            <a:endParaRPr lang="es-CL" sz="2400" dirty="0" smtClean="0">
+            <a:endParaRPr lang="es-CL" sz="2400" dirty="0">
               <a:solidFill>
                 <a:srgbClr val="FF0000"/>
               </a:solidFill>
@@ -5691,7 +5677,7 @@
           <a:p>
             <a:pPr algn="ctr"/>
             <a:r>
-              <a:rPr lang="es-CL" sz="2400" dirty="0" smtClean="0">
+              <a:rPr lang="es-CL" sz="2400" dirty="0">
                 <a:solidFill>
                   <a:schemeClr val="bg2">
                     <a:lumMod val="60000"/>
@@ -5702,19 +5688,10 @@
               </a:rPr>
               <a:t> </a:t>
             </a:r>
+          </a:p>
+          <a:p>
+            <a:pPr algn="ctr"/>
             <a:endParaRPr lang="es-CL" sz="2400" dirty="0">
-              <a:solidFill>
-                <a:schemeClr val="bg2">
-                  <a:lumMod val="60000"/>
-                  <a:lumOff val="40000"/>
-                </a:schemeClr>
-              </a:solidFill>
-              <a:latin typeface="Trebuchet MS" pitchFamily="34" charset="0"/>
-            </a:endParaRPr>
-          </a:p>
-          <a:p>
-            <a:pPr algn="ctr"/>
-            <a:endParaRPr lang="es-CL" sz="2400" dirty="0" smtClean="0">
               <a:solidFill>
                 <a:srgbClr val="3333CC"/>
               </a:solidFill>
@@ -5785,7 +5762,7 @@
           <a:p>
             <a:pPr algn="ctr"/>
             <a:r>
-              <a:rPr lang="es-CL" sz="1200" dirty="0" smtClean="0">
+              <a:rPr lang="es-CL" sz="1200" dirty="0">
                 <a:solidFill>
                   <a:schemeClr val="bg1">
                     <a:lumMod val="75000"/>
@@ -5795,19 +5772,11 @@
               </a:rPr>
               <a:t>Departmento de Ciencia de la Computación</a:t>
             </a:r>
-            <a:endParaRPr lang="es-CL" sz="1200" dirty="0">
-              <a:solidFill>
-                <a:schemeClr val="bg1">
-                  <a:lumMod val="75000"/>
-                </a:schemeClr>
-              </a:solidFill>
-              <a:latin typeface="Trebuchet MS" pitchFamily="34" charset="0"/>
-            </a:endParaRPr>
           </a:p>
           <a:p>
             <a:pPr algn="ctr"/>
             <a:r>
-              <a:rPr lang="es-CL" sz="1200" dirty="0" smtClean="0">
+              <a:rPr lang="es-CL" sz="1200" dirty="0">
                 <a:solidFill>
                   <a:schemeClr val="bg1">
                     <a:lumMod val="75000"/>
@@ -5821,7 +5790,7 @@
           <a:p>
             <a:pPr algn="ctr"/>
             <a:r>
-              <a:rPr lang="es-CL" sz="1200" dirty="0" smtClean="0">
+              <a:rPr lang="es-CL" sz="1200" dirty="0">
                 <a:solidFill>
                   <a:schemeClr val="bg1">
                     <a:lumMod val="75000"/>
@@ -5831,14 +5800,6 @@
               </a:rPr>
               <a:t>Universidad Católica de Chile</a:t>
             </a:r>
-            <a:endParaRPr lang="es-CL" sz="1200" dirty="0">
-              <a:solidFill>
-                <a:schemeClr val="bg1">
-                  <a:lumMod val="75000"/>
-                </a:schemeClr>
-              </a:solidFill>
-              <a:latin typeface="Trebuchet MS" pitchFamily="34" charset="0"/>
-            </a:endParaRPr>
           </a:p>
           <a:p>
             <a:pPr algn="ctr"/>
@@ -5877,7 +5838,7 @@
           <a:p>
             <a:pPr algn="ctr"/>
             <a:r>
-              <a:rPr lang="es-CL" sz="2400" b="1" dirty="0" smtClean="0">
+              <a:rPr lang="es-CL" sz="2400" b="1" dirty="0">
                 <a:solidFill>
                   <a:srgbClr val="FFFFFF"/>
                 </a:solidFill>
@@ -6708,18 +6669,9 @@
           <a:lstStyle/>
           <a:p>
             <a:r>
-              <a:rPr lang="en-US" sz="3600" smtClean="0"/>
-              <a:t>Proyecto </a:t>
-            </a:r>
-            <a:r>
-              <a:rPr lang="en-US" sz="3600" smtClean="0"/>
-              <a:t>del </a:t>
-            </a:r>
-            <a:r>
-              <a:rPr lang="en-US" sz="3600" smtClean="0"/>
-              <a:t>2019</a:t>
-            </a:r>
-            <a:endParaRPr lang="en-US" sz="3600" dirty="0"/>
+              <a:rPr lang="es-ES_tradnl" sz="3600"/>
+              <a:t>Proyecto del 2020</a:t>
+            </a:r>
           </a:p>
         </p:txBody>
       </p:sp>
@@ -6732,7 +6684,7 @@
         <p:spPr>
           <a:xfrm>
             <a:off x="785004" y="1647646"/>
-            <a:ext cx="7617123" cy="1477328"/>
+            <a:ext cx="7617123" cy="1200329"/>
           </a:xfrm>
           <a:prstGeom prst="rect">
             <a:avLst/>
@@ -6746,158 +6698,40 @@
           <a:lstStyle/>
           <a:p>
             <a:r>
-              <a:rPr lang="en-US" dirty="0" smtClean="0"/>
-              <a:t>¿Son la </a:t>
-            </a:r>
-            <a:r>
-              <a:rPr lang="en-US" dirty="0" err="1" smtClean="0"/>
-              <a:t>misma</a:t>
-            </a:r>
-            <a:r>
-              <a:rPr lang="en-US" dirty="0" smtClean="0"/>
-              <a:t> persona? </a:t>
-            </a:r>
-          </a:p>
-          <a:p>
-            <a:endParaRPr lang="en-US" dirty="0"/>
-          </a:p>
-          <a:p>
-            <a:r>
-              <a:rPr lang="en-US" dirty="0" err="1" smtClean="0"/>
-              <a:t>Verificar</a:t>
-            </a:r>
-            <a:r>
-              <a:rPr lang="en-US" dirty="0" smtClean="0"/>
-              <a:t> </a:t>
-            </a:r>
-            <a:r>
-              <a:rPr lang="en-US" dirty="0" err="1" smtClean="0"/>
-              <a:t>si</a:t>
-            </a:r>
-            <a:r>
-              <a:rPr lang="en-US" dirty="0" smtClean="0"/>
-              <a:t> dos </a:t>
-            </a:r>
-            <a:r>
-              <a:rPr lang="en-US" dirty="0" err="1" smtClean="0"/>
-              <a:t>fotos</a:t>
-            </a:r>
-            <a:r>
-              <a:rPr lang="en-US" dirty="0" smtClean="0"/>
-              <a:t> de </a:t>
-            </a:r>
-            <a:r>
-              <a:rPr lang="en-US" dirty="0" err="1" smtClean="0"/>
-              <a:t>una</a:t>
-            </a:r>
-            <a:r>
-              <a:rPr lang="en-US" dirty="0" smtClean="0"/>
-              <a:t> </a:t>
-            </a:r>
-            <a:r>
-              <a:rPr lang="en-US" dirty="0" err="1" smtClean="0"/>
-              <a:t>cara</a:t>
-            </a:r>
-            <a:r>
-              <a:rPr lang="en-US" dirty="0" smtClean="0"/>
-              <a:t>, </a:t>
-            </a:r>
-            <a:r>
-              <a:rPr lang="en-US" dirty="0" err="1" smtClean="0"/>
-              <a:t>una</a:t>
-            </a:r>
-            <a:r>
-              <a:rPr lang="en-US" dirty="0" smtClean="0"/>
-              <a:t> </a:t>
-            </a:r>
-            <a:r>
-              <a:rPr lang="en-US" dirty="0" err="1" smtClean="0"/>
-              <a:t>tomada</a:t>
-            </a:r>
-            <a:r>
-              <a:rPr lang="en-US" dirty="0" smtClean="0"/>
-              <a:t> </a:t>
-            </a:r>
-            <a:r>
-              <a:rPr lang="en-US" dirty="0" err="1" smtClean="0"/>
-              <a:t>durante</a:t>
-            </a:r>
-            <a:r>
-              <a:rPr lang="en-US" dirty="0" smtClean="0"/>
-              <a:t> la </a:t>
-            </a:r>
-            <a:r>
-              <a:rPr lang="en-US" dirty="0" err="1" smtClean="0"/>
-              <a:t>adoelscencia-niñez</a:t>
-            </a:r>
-            <a:r>
-              <a:rPr lang="en-US" dirty="0" smtClean="0"/>
-              <a:t> y </a:t>
-            </a:r>
-            <a:r>
-              <a:rPr lang="en-US" dirty="0" err="1" smtClean="0"/>
-              <a:t>otra</a:t>
-            </a:r>
-            <a:r>
-              <a:rPr lang="en-US" dirty="0" smtClean="0"/>
-              <a:t> </a:t>
-            </a:r>
-            <a:r>
-              <a:rPr lang="en-US" dirty="0" err="1" smtClean="0"/>
-              <a:t>tomada</a:t>
-            </a:r>
-            <a:r>
-              <a:rPr lang="en-US" dirty="0" smtClean="0"/>
-              <a:t> </a:t>
-            </a:r>
-            <a:r>
-              <a:rPr lang="en-US" dirty="0" err="1" smtClean="0"/>
-              <a:t>durante</a:t>
-            </a:r>
-            <a:r>
-              <a:rPr lang="en-US" dirty="0" smtClean="0"/>
-              <a:t> la </a:t>
-            </a:r>
-            <a:r>
-              <a:rPr lang="en-US" dirty="0" err="1" smtClean="0"/>
-              <a:t>adultez</a:t>
-            </a:r>
-            <a:r>
-              <a:rPr lang="en-US" dirty="0" smtClean="0"/>
-              <a:t> </a:t>
-            </a:r>
-            <a:r>
-              <a:rPr lang="en-US" dirty="0" err="1" smtClean="0"/>
-              <a:t>temprana</a:t>
-            </a:r>
-            <a:r>
-              <a:rPr lang="en-US" dirty="0" smtClean="0"/>
-              <a:t> </a:t>
-            </a:r>
-            <a:r>
-              <a:rPr lang="en-US" dirty="0" err="1" smtClean="0"/>
-              <a:t>corresponden</a:t>
-            </a:r>
-            <a:r>
-              <a:rPr lang="en-US" dirty="0" smtClean="0"/>
-              <a:t> a la </a:t>
-            </a:r>
-            <a:r>
-              <a:rPr lang="en-US" dirty="0" err="1" smtClean="0"/>
-              <a:t>misma</a:t>
-            </a:r>
-            <a:r>
-              <a:rPr lang="en-US" dirty="0" smtClean="0"/>
-              <a:t> persona</a:t>
+              <a:rPr lang="es-ES_tradnl" dirty="0"/>
+              <a:t>Detección de Rayados </a:t>
+            </a:r>
+          </a:p>
+          <a:p>
+            <a:endParaRPr lang="es-ES_tradnl" dirty="0"/>
+          </a:p>
+          <a:p>
+            <a:r>
+              <a:rPr lang="es-ES_tradnl" dirty="0"/>
+              <a:t>Desarrollar un algoritmo que detecte las zonas de la </a:t>
+            </a:r>
+            <a:r>
+              <a:rPr lang="es-ES_tradnl"/>
+              <a:t>imagen con </a:t>
+            </a:r>
+            <a:r>
+              <a:rPr lang="es-ES_tradnl" dirty="0"/>
+              <a:t>rayados en las paredes.</a:t>
             </a:r>
           </a:p>
         </p:txBody>
       </p:sp>
       <p:pic>
         <p:nvPicPr>
-          <p:cNvPr id="2" name="Picture 1"/>
+          <p:cNvPr id="17" name="Picture 16">
+            <a:extLst>
+              <a:ext uri="{FF2B5EF4-FFF2-40B4-BE49-F238E27FC236}">
+                <a16:creationId xmlns:a16="http://schemas.microsoft.com/office/drawing/2014/main" id="{C9859C81-90D1-F54B-A42B-A62D32B74E1E}"/>
+              </a:ext>
+            </a:extLst>
+          </p:cNvPr>
           <p:cNvPicPr>
-            <a:picLocks/>
+            <a:picLocks noChangeAspect="1"/>
           </p:cNvPicPr>
           <p:nvPr/>
         </p:nvPicPr>
@@ -6915,8 +6749,8 @@
         </p:blipFill>
         <p:spPr>
           <a:xfrm>
-            <a:off x="850901" y="3403833"/>
-            <a:ext cx="1080000" cy="1260000"/>
+            <a:off x="854017" y="3736209"/>
+            <a:ext cx="2404190" cy="1711525"/>
           </a:xfrm>
           <a:prstGeom prst="rect">
             <a:avLst/>
@@ -6925,14 +6759,20 @@
       </p:pic>
       <p:pic>
         <p:nvPicPr>
-          <p:cNvPr id="4" name="Picture 3"/>
+          <p:cNvPr id="18" name="Picture 17">
+            <a:extLst>
+              <a:ext uri="{FF2B5EF4-FFF2-40B4-BE49-F238E27FC236}">
+                <a16:creationId xmlns:a16="http://schemas.microsoft.com/office/drawing/2014/main" id="{9F7AF953-3D6A-584D-9E79-E0C0E9BED2BA}"/>
+              </a:ext>
+            </a:extLst>
+          </p:cNvPr>
           <p:cNvPicPr>
-            <a:picLocks/>
+            <a:picLocks noChangeAspect="1"/>
           </p:cNvPicPr>
           <p:nvPr/>
         </p:nvPicPr>
         <p:blipFill>
-          <a:blip r:embed="rId3">
+          <a:blip r:embed="rId2">
             <a:extLst>
               <a:ext uri="{28A0092B-C50C-407E-A947-70E740481C1C}">
                 <a14:useLocalDpi xmlns:a14="http://schemas.microsoft.com/office/drawing/2010/main" val="0"/>
@@ -6945,314 +6785,424 @@
         </p:blipFill>
         <p:spPr>
           <a:xfrm>
-            <a:off x="815436" y="4858829"/>
-            <a:ext cx="1080000" cy="1260000"/>
+            <a:off x="5885795" y="3745670"/>
+            <a:ext cx="2404190" cy="1711525"/>
           </a:xfrm>
           <a:prstGeom prst="rect">
             <a:avLst/>
           </a:prstGeom>
         </p:spPr>
       </p:pic>
-      <p:pic>
-        <p:nvPicPr>
-          <p:cNvPr id="5" name="Picture 4"/>
-          <p:cNvPicPr>
-            <a:picLocks/>
-          </p:cNvPicPr>
-          <p:nvPr/>
-        </p:nvPicPr>
-        <p:blipFill>
-          <a:blip r:embed="rId4">
+      <p:sp>
+        <p:nvSpPr>
+          <p:cNvPr id="19" name="Rectangle 18">
             <a:extLst>
-              <a:ext uri="{28A0092B-C50C-407E-A947-70E740481C1C}">
-                <a14:useLocalDpi xmlns:a14="http://schemas.microsoft.com/office/drawing/2010/main" val="0"/>
+              <a:ext uri="{FF2B5EF4-FFF2-40B4-BE49-F238E27FC236}">
+                <a16:creationId xmlns:a16="http://schemas.microsoft.com/office/drawing/2014/main" id="{35EEB3D7-74FF-7942-95FC-89DA886D2EF9}"/>
               </a:ext>
             </a:extLst>
-          </a:blip>
-          <a:stretch>
-            <a:fillRect/>
-          </a:stretch>
-        </p:blipFill>
+          </p:cNvPr>
+          <p:cNvSpPr/>
+          <p:nvPr/>
+        </p:nvSpPr>
         <p:spPr>
           <a:xfrm>
-            <a:off x="2149655" y="3406229"/>
-            <a:ext cx="1080000" cy="1260000"/>
+            <a:off x="3757448" y="4197833"/>
+            <a:ext cx="1629103" cy="788276"/>
           </a:xfrm>
           <a:prstGeom prst="rect">
             <a:avLst/>
           </a:prstGeom>
+          <a:solidFill>
+            <a:schemeClr val="accent2">
+              <a:lumMod val="20000"/>
+              <a:lumOff val="80000"/>
+            </a:schemeClr>
+          </a:solidFill>
         </p:spPr>
-      </p:pic>
-      <p:pic>
-        <p:nvPicPr>
-          <p:cNvPr id="6" name="Picture 5"/>
-          <p:cNvPicPr>
-            <a:picLocks/>
-          </p:cNvPicPr>
-          <p:nvPr/>
-        </p:nvPicPr>
-        <p:blipFill>
-          <a:blip r:embed="rId5">
+        <p:style>
+          <a:lnRef idx="2">
+            <a:schemeClr val="accent1">
+              <a:shade val="50000"/>
+            </a:schemeClr>
+          </a:lnRef>
+          <a:fillRef idx="1">
+            <a:schemeClr val="accent1"/>
+          </a:fillRef>
+          <a:effectRef idx="0">
+            <a:schemeClr val="accent1"/>
+          </a:effectRef>
+          <a:fontRef idx="minor">
+            <a:schemeClr val="lt1"/>
+          </a:fontRef>
+        </p:style>
+        <p:txBody>
+          <a:bodyPr rtlCol="0" anchor="ctr"/>
+          <a:lstStyle/>
+          <a:p>
+            <a:pPr algn="ctr"/>
+            <a:r>
+              <a:rPr lang="es-ES_tradnl">
+                <a:solidFill>
+                  <a:schemeClr val="tx1"/>
+                </a:solidFill>
+              </a:rPr>
+              <a:t>Algoritmo</a:t>
+            </a:r>
+          </a:p>
+        </p:txBody>
+      </p:sp>
+      <p:cxnSp>
+        <p:nvCxnSpPr>
+          <p:cNvPr id="21" name="Straight Arrow Connector 20">
             <a:extLst>
-              <a:ext uri="{28A0092B-C50C-407E-A947-70E740481C1C}">
-                <a14:useLocalDpi xmlns:a14="http://schemas.microsoft.com/office/drawing/2010/main" val="0"/>
+              <a:ext uri="{FF2B5EF4-FFF2-40B4-BE49-F238E27FC236}">
+                <a16:creationId xmlns:a16="http://schemas.microsoft.com/office/drawing/2014/main" id="{C5B273B9-96C0-FD4D-8105-7AA26CE8E576}"/>
               </a:ext>
             </a:extLst>
-          </a:blip>
-          <a:stretch>
-            <a:fillRect/>
-          </a:stretch>
-        </p:blipFill>
+          </p:cNvPr>
+          <p:cNvCxnSpPr>
+            <a:stCxn id="17" idx="3"/>
+            <a:endCxn id="19" idx="1"/>
+          </p:cNvCxnSpPr>
+          <p:nvPr/>
+        </p:nvCxnSpPr>
+        <p:spPr>
+          <a:xfrm flipV="1">
+            <a:off x="3258207" y="4591971"/>
+            <a:ext cx="499241" cy="1"/>
+          </a:xfrm>
+          <a:prstGeom prst="straightConnector1">
+            <a:avLst/>
+          </a:prstGeom>
+          <a:ln>
+            <a:solidFill>
+              <a:schemeClr val="tx2"/>
+            </a:solidFill>
+            <a:tailEnd type="triangle"/>
+          </a:ln>
+        </p:spPr>
+        <p:style>
+          <a:lnRef idx="1">
+            <a:schemeClr val="accent1"/>
+          </a:lnRef>
+          <a:fillRef idx="0">
+            <a:schemeClr val="accent1"/>
+          </a:fillRef>
+          <a:effectRef idx="0">
+            <a:schemeClr val="accent1"/>
+          </a:effectRef>
+          <a:fontRef idx="minor">
+            <a:schemeClr val="tx1"/>
+          </a:fontRef>
+        </p:style>
+      </p:cxnSp>
+      <p:cxnSp>
+        <p:nvCxnSpPr>
+          <p:cNvPr id="22" name="Straight Arrow Connector 21">
+            <a:extLst>
+              <a:ext uri="{FF2B5EF4-FFF2-40B4-BE49-F238E27FC236}">
+                <a16:creationId xmlns:a16="http://schemas.microsoft.com/office/drawing/2014/main" id="{1A2525BC-AF3D-C349-B947-36EB910D5373}"/>
+              </a:ext>
+            </a:extLst>
+          </p:cNvPr>
+          <p:cNvCxnSpPr>
+            <a:cxnSpLocks/>
+            <a:stCxn id="19" idx="3"/>
+            <a:endCxn id="18" idx="1"/>
+          </p:cNvCxnSpPr>
+          <p:nvPr/>
+        </p:nvCxnSpPr>
         <p:spPr>
           <a:xfrm>
-            <a:off x="2146778" y="4854039"/>
-            <a:ext cx="1080000" cy="1260000"/>
+            <a:off x="5386551" y="4591971"/>
+            <a:ext cx="499244" cy="9462"/>
+          </a:xfrm>
+          <a:prstGeom prst="straightConnector1">
+            <a:avLst/>
+          </a:prstGeom>
+          <a:ln>
+            <a:solidFill>
+              <a:schemeClr val="tx2"/>
+            </a:solidFill>
+            <a:tailEnd type="triangle"/>
+          </a:ln>
+        </p:spPr>
+        <p:style>
+          <a:lnRef idx="1">
+            <a:schemeClr val="accent1"/>
+          </a:lnRef>
+          <a:fillRef idx="0">
+            <a:schemeClr val="accent1"/>
+          </a:fillRef>
+          <a:effectRef idx="0">
+            <a:schemeClr val="accent1"/>
+          </a:effectRef>
+          <a:fontRef idx="minor">
+            <a:schemeClr val="tx1"/>
+          </a:fontRef>
+        </p:style>
+      </p:cxnSp>
+      <p:sp>
+        <p:nvSpPr>
+          <p:cNvPr id="25" name="Rectangle 24">
+            <a:extLst>
+              <a:ext uri="{FF2B5EF4-FFF2-40B4-BE49-F238E27FC236}">
+                <a16:creationId xmlns:a16="http://schemas.microsoft.com/office/drawing/2014/main" id="{6ABE8CAF-5DC7-9145-9534-E6A58BA08FA1}"/>
+              </a:ext>
+            </a:extLst>
+          </p:cNvPr>
+          <p:cNvSpPr/>
+          <p:nvPr/>
+        </p:nvSpPr>
+        <p:spPr>
+          <a:xfrm>
+            <a:off x="6155140" y="4517409"/>
+            <a:ext cx="363941" cy="409433"/>
           </a:xfrm>
           <a:prstGeom prst="rect">
             <a:avLst/>
           </a:prstGeom>
+          <a:noFill/>
+          <a:ln>
+            <a:solidFill>
+              <a:srgbClr val="FF0000"/>
+            </a:solidFill>
+          </a:ln>
         </p:spPr>
-      </p:pic>
-      <p:pic>
-        <p:nvPicPr>
-          <p:cNvPr id="8" name="Picture 7"/>
-          <p:cNvPicPr>
-            <a:picLocks/>
-          </p:cNvPicPr>
-          <p:nvPr/>
-        </p:nvPicPr>
-        <p:blipFill>
-          <a:blip r:embed="rId6">
+        <p:style>
+          <a:lnRef idx="2">
+            <a:schemeClr val="accent1">
+              <a:shade val="50000"/>
+            </a:schemeClr>
+          </a:lnRef>
+          <a:fillRef idx="1">
+            <a:schemeClr val="accent1"/>
+          </a:fillRef>
+          <a:effectRef idx="0">
+            <a:schemeClr val="accent1"/>
+          </a:effectRef>
+          <a:fontRef idx="minor">
+            <a:schemeClr val="lt1"/>
+          </a:fontRef>
+        </p:style>
+        <p:txBody>
+          <a:bodyPr rtlCol="0" anchor="ctr"/>
+          <a:lstStyle/>
+          <a:p>
+            <a:pPr algn="ctr"/>
+            <a:endParaRPr lang="en-US"/>
+          </a:p>
+        </p:txBody>
+      </p:sp>
+      <p:sp>
+        <p:nvSpPr>
+          <p:cNvPr id="26" name="Rectangle 25">
             <a:extLst>
-              <a:ext uri="{28A0092B-C50C-407E-A947-70E740481C1C}">
-                <a14:useLocalDpi xmlns:a14="http://schemas.microsoft.com/office/drawing/2010/main" val="0"/>
+              <a:ext uri="{FF2B5EF4-FFF2-40B4-BE49-F238E27FC236}">
+                <a16:creationId xmlns:a16="http://schemas.microsoft.com/office/drawing/2014/main" id="{10554653-1E8E-A947-9CF4-D3CD172D04B3}"/>
               </a:ext>
             </a:extLst>
-          </a:blip>
-          <a:stretch>
-            <a:fillRect/>
-          </a:stretch>
-        </p:blipFill>
+          </p:cNvPr>
+          <p:cNvSpPr/>
+          <p:nvPr/>
+        </p:nvSpPr>
         <p:spPr>
           <a:xfrm>
-            <a:off x="4619207" y="3404554"/>
-            <a:ext cx="1080000" cy="1260000"/>
+            <a:off x="6723949" y="4508311"/>
+            <a:ext cx="363941" cy="409433"/>
           </a:xfrm>
           <a:prstGeom prst="rect">
             <a:avLst/>
           </a:prstGeom>
+          <a:noFill/>
+          <a:ln>
+            <a:solidFill>
+              <a:srgbClr val="FF0000"/>
+            </a:solidFill>
+          </a:ln>
         </p:spPr>
-      </p:pic>
-      <p:pic>
-        <p:nvPicPr>
-          <p:cNvPr id="9" name="Picture 8"/>
-          <p:cNvPicPr>
-            <a:picLocks/>
-          </p:cNvPicPr>
-          <p:nvPr/>
-        </p:nvPicPr>
-        <p:blipFill>
-          <a:blip r:embed="rId7">
+        <p:style>
+          <a:lnRef idx="2">
+            <a:schemeClr val="accent1">
+              <a:shade val="50000"/>
+            </a:schemeClr>
+          </a:lnRef>
+          <a:fillRef idx="1">
+            <a:schemeClr val="accent1"/>
+          </a:fillRef>
+          <a:effectRef idx="0">
+            <a:schemeClr val="accent1"/>
+          </a:effectRef>
+          <a:fontRef idx="minor">
+            <a:schemeClr val="lt1"/>
+          </a:fontRef>
+        </p:style>
+        <p:txBody>
+          <a:bodyPr rtlCol="0" anchor="ctr"/>
+          <a:lstStyle/>
+          <a:p>
+            <a:pPr algn="ctr"/>
+            <a:endParaRPr lang="en-US"/>
+          </a:p>
+        </p:txBody>
+      </p:sp>
+      <p:sp>
+        <p:nvSpPr>
+          <p:cNvPr id="27" name="Rectangle 26">
             <a:extLst>
-              <a:ext uri="{28A0092B-C50C-407E-A947-70E740481C1C}">
-                <a14:useLocalDpi xmlns:a14="http://schemas.microsoft.com/office/drawing/2010/main" val="0"/>
+              <a:ext uri="{FF2B5EF4-FFF2-40B4-BE49-F238E27FC236}">
+                <a16:creationId xmlns:a16="http://schemas.microsoft.com/office/drawing/2014/main" id="{68E52091-0D49-8143-BDE9-BB8D67476EB6}"/>
               </a:ext>
             </a:extLst>
-          </a:blip>
-          <a:stretch>
-            <a:fillRect/>
-          </a:stretch>
-        </p:blipFill>
+          </p:cNvPr>
+          <p:cNvSpPr/>
+          <p:nvPr/>
+        </p:nvSpPr>
         <p:spPr>
           <a:xfrm>
-            <a:off x="4636938" y="4858829"/>
-            <a:ext cx="1080000" cy="1260000"/>
+            <a:off x="6439545" y="4518408"/>
+            <a:ext cx="363941" cy="166047"/>
           </a:xfrm>
           <a:prstGeom prst="rect">
             <a:avLst/>
           </a:prstGeom>
+          <a:noFill/>
+          <a:ln>
+            <a:solidFill>
+              <a:srgbClr val="FF0000"/>
+            </a:solidFill>
+          </a:ln>
         </p:spPr>
-      </p:pic>
-      <p:pic>
-        <p:nvPicPr>
-          <p:cNvPr id="10" name="Picture 9"/>
-          <p:cNvPicPr>
-            <a:picLocks/>
-          </p:cNvPicPr>
-          <p:nvPr/>
-        </p:nvPicPr>
-        <p:blipFill>
-          <a:blip r:embed="rId8">
+        <p:style>
+          <a:lnRef idx="2">
+            <a:schemeClr val="accent1">
+              <a:shade val="50000"/>
+            </a:schemeClr>
+          </a:lnRef>
+          <a:fillRef idx="1">
+            <a:schemeClr val="accent1"/>
+          </a:fillRef>
+          <a:effectRef idx="0">
+            <a:schemeClr val="accent1"/>
+          </a:effectRef>
+          <a:fontRef idx="minor">
+            <a:schemeClr val="lt1"/>
+          </a:fontRef>
+        </p:style>
+        <p:txBody>
+          <a:bodyPr rtlCol="0" anchor="ctr"/>
+          <a:lstStyle/>
+          <a:p>
+            <a:pPr algn="ctr"/>
+            <a:endParaRPr lang="en-US"/>
+          </a:p>
+        </p:txBody>
+      </p:sp>
+      <p:sp>
+        <p:nvSpPr>
+          <p:cNvPr id="28" name="Rectangle 27">
             <a:extLst>
-              <a:ext uri="{28A0092B-C50C-407E-A947-70E740481C1C}">
-                <a14:useLocalDpi xmlns:a14="http://schemas.microsoft.com/office/drawing/2010/main" val="0"/>
+              <a:ext uri="{FF2B5EF4-FFF2-40B4-BE49-F238E27FC236}">
+                <a16:creationId xmlns:a16="http://schemas.microsoft.com/office/drawing/2014/main" id="{12D36C66-512A-274D-9B15-05C1DD0A988A}"/>
               </a:ext>
             </a:extLst>
-          </a:blip>
-          <a:stretch>
-            <a:fillRect/>
-          </a:stretch>
-        </p:blipFill>
+          </p:cNvPr>
+          <p:cNvSpPr/>
+          <p:nvPr/>
+        </p:nvSpPr>
         <p:spPr>
           <a:xfrm>
-            <a:off x="3402162" y="3403836"/>
-            <a:ext cx="1080000" cy="1260000"/>
+            <a:off x="7120759" y="4517409"/>
+            <a:ext cx="663014" cy="322997"/>
           </a:xfrm>
           <a:prstGeom prst="rect">
             <a:avLst/>
           </a:prstGeom>
+          <a:noFill/>
+          <a:ln>
+            <a:solidFill>
+              <a:srgbClr val="FF0000"/>
+            </a:solidFill>
+          </a:ln>
         </p:spPr>
-      </p:pic>
-      <p:pic>
-        <p:nvPicPr>
-          <p:cNvPr id="11" name="Picture 10"/>
-          <p:cNvPicPr>
-            <a:picLocks/>
-          </p:cNvPicPr>
-          <p:nvPr/>
-        </p:nvPicPr>
-        <p:blipFill>
-          <a:blip r:embed="rId9">
+        <p:style>
+          <a:lnRef idx="2">
+            <a:schemeClr val="accent1">
+              <a:shade val="50000"/>
+            </a:schemeClr>
+          </a:lnRef>
+          <a:fillRef idx="1">
+            <a:schemeClr val="accent1"/>
+          </a:fillRef>
+          <a:effectRef idx="0">
+            <a:schemeClr val="accent1"/>
+          </a:effectRef>
+          <a:fontRef idx="minor">
+            <a:schemeClr val="lt1"/>
+          </a:fontRef>
+        </p:style>
+        <p:txBody>
+          <a:bodyPr rtlCol="0" anchor="ctr"/>
+          <a:lstStyle/>
+          <a:p>
+            <a:pPr algn="ctr"/>
+            <a:endParaRPr lang="en-US"/>
+          </a:p>
+        </p:txBody>
+      </p:sp>
+      <p:sp>
+        <p:nvSpPr>
+          <p:cNvPr id="29" name="Rectangle 28">
             <a:extLst>
-              <a:ext uri="{28A0092B-C50C-407E-A947-70E740481C1C}">
-                <a14:useLocalDpi xmlns:a14="http://schemas.microsoft.com/office/drawing/2010/main" val="0"/>
+              <a:ext uri="{FF2B5EF4-FFF2-40B4-BE49-F238E27FC236}">
+                <a16:creationId xmlns:a16="http://schemas.microsoft.com/office/drawing/2014/main" id="{FA454312-5099-AD4B-84FC-4162A9DD8494}"/>
               </a:ext>
             </a:extLst>
-          </a:blip>
-          <a:stretch>
-            <a:fillRect/>
-          </a:stretch>
-        </p:blipFill>
+          </p:cNvPr>
+          <p:cNvSpPr/>
+          <p:nvPr/>
+        </p:nvSpPr>
         <p:spPr>
           <a:xfrm>
-            <a:off x="3397369" y="4855952"/>
-            <a:ext cx="1080000" cy="1260000"/>
+            <a:off x="7831839" y="4439932"/>
+            <a:ext cx="451178" cy="409433"/>
           </a:xfrm>
           <a:prstGeom prst="rect">
             <a:avLst/>
           </a:prstGeom>
+          <a:noFill/>
+          <a:ln>
+            <a:solidFill>
+              <a:srgbClr val="FF0000"/>
+            </a:solidFill>
+          </a:ln>
         </p:spPr>
-      </p:pic>
-      <p:pic>
-        <p:nvPicPr>
-          <p:cNvPr id="12" name="Picture 11"/>
-          <p:cNvPicPr>
-            <a:picLocks/>
-          </p:cNvPicPr>
-          <p:nvPr/>
-        </p:nvPicPr>
-        <p:blipFill>
-          <a:blip r:embed="rId10">
-            <a:extLst>
-              <a:ext uri="{28A0092B-C50C-407E-A947-70E740481C1C}">
-                <a14:useLocalDpi xmlns:a14="http://schemas.microsoft.com/office/drawing/2010/main" val="0"/>
-              </a:ext>
-            </a:extLst>
-          </a:blip>
-          <a:stretch>
-            <a:fillRect/>
-          </a:stretch>
-        </p:blipFill>
-        <p:spPr>
-          <a:xfrm>
-            <a:off x="5907179" y="4848286"/>
-            <a:ext cx="1080000" cy="1260000"/>
-          </a:xfrm>
-          <a:prstGeom prst="rect">
-            <a:avLst/>
-          </a:prstGeom>
-        </p:spPr>
-      </p:pic>
-      <p:pic>
-        <p:nvPicPr>
-          <p:cNvPr id="13" name="Picture 12"/>
-          <p:cNvPicPr>
-            <a:picLocks/>
-          </p:cNvPicPr>
-          <p:nvPr/>
-        </p:nvPicPr>
-        <p:blipFill>
-          <a:blip r:embed="rId11">
-            <a:extLst>
-              <a:ext uri="{28A0092B-C50C-407E-A947-70E740481C1C}">
-                <a14:useLocalDpi xmlns:a14="http://schemas.microsoft.com/office/drawing/2010/main" val="0"/>
-              </a:ext>
-            </a:extLst>
-          </a:blip>
-          <a:stretch>
-            <a:fillRect/>
-          </a:stretch>
-        </p:blipFill>
-        <p:spPr>
-          <a:xfrm>
-            <a:off x="5869796" y="3404314"/>
-            <a:ext cx="1080000" cy="1260000"/>
-          </a:xfrm>
-          <a:prstGeom prst="rect">
-            <a:avLst/>
-          </a:prstGeom>
-        </p:spPr>
-      </p:pic>
-      <p:pic>
-        <p:nvPicPr>
-          <p:cNvPr id="14" name="Picture 13"/>
-          <p:cNvPicPr>
-            <a:picLocks/>
-          </p:cNvPicPr>
-          <p:nvPr/>
-        </p:nvPicPr>
-        <p:blipFill>
-          <a:blip r:embed="rId12">
-            <a:extLst>
-              <a:ext uri="{28A0092B-C50C-407E-A947-70E740481C1C}">
-                <a14:useLocalDpi xmlns:a14="http://schemas.microsoft.com/office/drawing/2010/main" val="0"/>
-              </a:ext>
-            </a:extLst>
-          </a:blip>
-          <a:stretch>
-            <a:fillRect/>
-          </a:stretch>
-        </p:blipFill>
-        <p:spPr>
-          <a:xfrm>
-            <a:off x="7098821" y="3409346"/>
-            <a:ext cx="1080000" cy="1260000"/>
-          </a:xfrm>
-          <a:prstGeom prst="rect">
-            <a:avLst/>
-          </a:prstGeom>
-        </p:spPr>
-      </p:pic>
-      <p:pic>
-        <p:nvPicPr>
-          <p:cNvPr id="15" name="Picture 14"/>
-          <p:cNvPicPr>
-            <a:picLocks/>
-          </p:cNvPicPr>
-          <p:nvPr/>
-        </p:nvPicPr>
-        <p:blipFill>
-          <a:blip r:embed="rId13">
-            <a:extLst>
-              <a:ext uri="{28A0092B-C50C-407E-A947-70E740481C1C}">
-                <a14:useLocalDpi xmlns:a14="http://schemas.microsoft.com/office/drawing/2010/main" val="0"/>
-              </a:ext>
-            </a:extLst>
-          </a:blip>
-          <a:stretch>
-            <a:fillRect/>
-          </a:stretch>
-        </p:blipFill>
-        <p:spPr>
-          <a:xfrm>
-            <a:off x="7131658" y="4860027"/>
-            <a:ext cx="1080000" cy="1260000"/>
-          </a:xfrm>
-          <a:prstGeom prst="rect">
-            <a:avLst/>
-          </a:prstGeom>
-        </p:spPr>
-      </p:pic>
+        <p:style>
+          <a:lnRef idx="2">
+            <a:schemeClr val="accent1">
+              <a:shade val="50000"/>
+            </a:schemeClr>
+          </a:lnRef>
+          <a:fillRef idx="1">
+            <a:schemeClr val="accent1"/>
+          </a:fillRef>
+          <a:effectRef idx="0">
+            <a:schemeClr val="accent1"/>
+          </a:effectRef>
+          <a:fontRef idx="minor">
+            <a:schemeClr val="lt1"/>
+          </a:fontRef>
+        </p:style>
+        <p:txBody>
+          <a:bodyPr rtlCol="0" anchor="ctr"/>
+          <a:lstStyle/>
+          <a:p>
+            <a:pPr algn="ctr"/>
+            <a:endParaRPr lang="en-US"/>
+          </a:p>
+        </p:txBody>
+      </p:sp>
     </p:spTree>
     <p:extLst>
       <p:ext uri="{BB962C8B-B14F-4D97-AF65-F5344CB8AC3E}">
@@ -7263,13 +7213,6 @@
   <p:clrMapOvr>
     <a:masterClrMapping/>
   </p:clrMapOvr>
-  <p:timing>
-    <p:tnLst>
-      <p:par>
-        <p:cTn id="1" dur="indefinite" restart="never" nodeType="tmRoot"/>
-      </p:par>
-    </p:tnLst>
-  </p:timing>
 </p:sld>
 </file>
 

--- a/clases/Cap00_Lineas_Generales/program/PAT00_Proyecto.pptx
+++ b/clases/Cap00_Lineas_Generales/program/PAT00_Proyecto.pptx
@@ -7522,7 +7522,7 @@
         </p:nvCxnSpPr>
         <p:spPr>
           <a:xfrm>
-            <a:off x="924910" y="2028498"/>
+            <a:off x="924910" y="2556532"/>
             <a:ext cx="0" cy="964319"/>
           </a:xfrm>
           <a:prstGeom prst="straightConnector1">
@@ -7561,7 +7561,7 @@
         </p:nvSpPr>
         <p:spPr>
           <a:xfrm>
-            <a:off x="662153" y="2333299"/>
+            <a:off x="662153" y="2861333"/>
             <a:ext cx="300082" cy="369332"/>
           </a:xfrm>
           <a:prstGeom prst="rect">
@@ -7596,7 +7596,7 @@
         </p:nvSpPr>
         <p:spPr>
           <a:xfrm>
-            <a:off x="1410745" y="1478495"/>
+            <a:off x="2389538" y="1542890"/>
             <a:ext cx="300082" cy="369332"/>
           </a:xfrm>
           <a:prstGeom prst="rect">
@@ -7633,7 +7633,7 @@
         </p:nvCxnSpPr>
         <p:spPr>
           <a:xfrm>
-            <a:off x="1072058" y="1886609"/>
+            <a:off x="2050851" y="1951004"/>
             <a:ext cx="1066800" cy="0"/>
           </a:xfrm>
           <a:prstGeom prst="straightConnector1">
@@ -7658,6 +7658,175 @@
           </a:fontRef>
         </p:style>
       </p:cxnSp>
+      <p:sp>
+        <p:nvSpPr>
+          <p:cNvPr id="25" name="Oval 24">
+            <a:extLst>
+              <a:ext uri="{FF2B5EF4-FFF2-40B4-BE49-F238E27FC236}">
+                <a16:creationId xmlns:a16="http://schemas.microsoft.com/office/drawing/2014/main" id="{202F36DF-0123-1241-9195-D80CD035BF61}"/>
+              </a:ext>
+            </a:extLst>
+          </p:cNvPr>
+          <p:cNvSpPr/>
+          <p:nvPr/>
+        </p:nvSpPr>
+        <p:spPr>
+          <a:xfrm>
+            <a:off x="1009981" y="2024243"/>
+            <a:ext cx="109823" cy="78828"/>
+          </a:xfrm>
+          <a:prstGeom prst="ellipse">
+            <a:avLst/>
+          </a:prstGeom>
+          <a:solidFill>
+            <a:schemeClr val="bg1"/>
+          </a:solidFill>
+        </p:spPr>
+        <p:style>
+          <a:lnRef idx="2">
+            <a:schemeClr val="accent1">
+              <a:shade val="50000"/>
+            </a:schemeClr>
+          </a:lnRef>
+          <a:fillRef idx="1">
+            <a:schemeClr val="accent1"/>
+          </a:fillRef>
+          <a:effectRef idx="0">
+            <a:schemeClr val="accent1"/>
+          </a:effectRef>
+          <a:fontRef idx="minor">
+            <a:schemeClr val="lt1"/>
+          </a:fontRef>
+        </p:style>
+        <p:txBody>
+          <a:bodyPr rtlCol="0" anchor="ctr"/>
+          <a:lstStyle/>
+          <a:p>
+            <a:pPr algn="ctr"/>
+            <a:endParaRPr lang="en-US"/>
+          </a:p>
+        </p:txBody>
+      </p:sp>
+      <p:sp>
+        <p:nvSpPr>
+          <p:cNvPr id="26" name="TextBox 25">
+            <a:extLst>
+              <a:ext uri="{FF2B5EF4-FFF2-40B4-BE49-F238E27FC236}">
+                <a16:creationId xmlns:a16="http://schemas.microsoft.com/office/drawing/2014/main" id="{0E859463-8E6B-D946-B731-E1D75A64CA9C}"/>
+              </a:ext>
+            </a:extLst>
+          </p:cNvPr>
+          <p:cNvSpPr txBox="1"/>
+          <p:nvPr/>
+        </p:nvSpPr>
+        <p:spPr>
+          <a:xfrm>
+            <a:off x="178687" y="1151795"/>
+            <a:ext cx="2505814" cy="369332"/>
+          </a:xfrm>
+          <a:prstGeom prst="rect">
+            <a:avLst/>
+          </a:prstGeom>
+          <a:noFill/>
+        </p:spPr>
+        <p:txBody>
+          <a:bodyPr wrap="none" rtlCol="0">
+            <a:spAutoFit/>
+          </a:bodyPr>
+          <a:lstStyle/>
+          <a:p>
+            <a:r>
+              <a:rPr lang="en-US" dirty="0"/>
+              <a:t>Primer pixel: (x=1,y=1)</a:t>
+            </a:r>
+          </a:p>
+        </p:txBody>
+      </p:sp>
+      <p:sp>
+        <p:nvSpPr>
+          <p:cNvPr id="3" name="Freeform 2">
+            <a:extLst>
+              <a:ext uri="{FF2B5EF4-FFF2-40B4-BE49-F238E27FC236}">
+                <a16:creationId xmlns:a16="http://schemas.microsoft.com/office/drawing/2014/main" id="{E2613AC5-0CCF-F947-8DB6-6E6DA180B4CF}"/>
+              </a:ext>
+            </a:extLst>
+          </p:cNvPr>
+          <p:cNvSpPr/>
+          <p:nvPr/>
+        </p:nvSpPr>
+        <p:spPr>
+          <a:xfrm>
+            <a:off x="699684" y="1468192"/>
+            <a:ext cx="266231" cy="540912"/>
+          </a:xfrm>
+          <a:custGeom>
+            <a:avLst/>
+            <a:gdLst>
+              <a:gd name="connsiteX0" fmla="*/ 85927 w 266231"/>
+              <a:gd name="connsiteY0" fmla="*/ 0 h 540912"/>
+              <a:gd name="connsiteX1" fmla="*/ 8654 w 266231"/>
+              <a:gd name="connsiteY1" fmla="*/ 425002 h 540912"/>
+              <a:gd name="connsiteX2" fmla="*/ 266231 w 266231"/>
+              <a:gd name="connsiteY2" fmla="*/ 540912 h 540912"/>
+            </a:gdLst>
+            <a:ahLst/>
+            <a:cxnLst>
+              <a:cxn ang="0">
+                <a:pos x="connsiteX0" y="connsiteY0"/>
+              </a:cxn>
+              <a:cxn ang="0">
+                <a:pos x="connsiteX1" y="connsiteY1"/>
+              </a:cxn>
+              <a:cxn ang="0">
+                <a:pos x="connsiteX2" y="connsiteY2"/>
+              </a:cxn>
+            </a:cxnLst>
+            <a:rect l="l" t="t" r="r" b="b"/>
+            <a:pathLst>
+              <a:path w="266231" h="540912">
+                <a:moveTo>
+                  <a:pt x="85927" y="0"/>
+                </a:moveTo>
+                <a:cubicBezTo>
+                  <a:pt x="32265" y="167425"/>
+                  <a:pt x="-21397" y="334850"/>
+                  <a:pt x="8654" y="425002"/>
+                </a:cubicBezTo>
+                <a:cubicBezTo>
+                  <a:pt x="38705" y="515154"/>
+                  <a:pt x="152468" y="528033"/>
+                  <a:pt x="266231" y="540912"/>
+                </a:cubicBezTo>
+              </a:path>
+            </a:pathLst>
+          </a:custGeom>
+          <a:noFill/>
+        </p:spPr>
+        <p:style>
+          <a:lnRef idx="2">
+            <a:schemeClr val="accent1">
+              <a:shade val="50000"/>
+            </a:schemeClr>
+          </a:lnRef>
+          <a:fillRef idx="1">
+            <a:schemeClr val="accent1"/>
+          </a:fillRef>
+          <a:effectRef idx="0">
+            <a:schemeClr val="accent1"/>
+          </a:effectRef>
+          <a:fontRef idx="minor">
+            <a:schemeClr val="lt1"/>
+          </a:fontRef>
+        </p:style>
+        <p:txBody>
+          <a:bodyPr rtlCol="0" anchor="ctr"/>
+          <a:lstStyle/>
+          <a:p>
+            <a:pPr algn="ctr"/>
+            <a:endParaRPr lang="en-CL"/>
+          </a:p>
+        </p:txBody>
+      </p:sp>
     </p:spTree>
     <p:extLst>
       <p:ext uri="{BB962C8B-B14F-4D97-AF65-F5344CB8AC3E}">
@@ -12511,15 +12680,7 @@
           <a:p>
             <a:r>
               <a:rPr lang="es-ES_tradnl" dirty="0"/>
-              <a:t>Desarrollar un algoritmo que detecte las zonas de la </a:t>
-            </a:r>
-            <a:r>
-              <a:rPr lang="es-ES_tradnl"/>
-              <a:t>imagen con </a:t>
-            </a:r>
-            <a:r>
-              <a:rPr lang="es-ES_tradnl" dirty="0"/>
-              <a:t>rayados en las paredes.</a:t>
+              <a:t>Desarrollar un algoritmo que detecte las zonas de la imagen con rayados en las paredes.</a:t>
             </a:r>
           </a:p>
         </p:txBody>
@@ -13003,6 +13164,47 @@
           <a:p>
             <a:pPr algn="ctr"/>
             <a:endParaRPr lang="en-US"/>
+          </a:p>
+        </p:txBody>
+      </p:sp>
+      <p:sp>
+        <p:nvSpPr>
+          <p:cNvPr id="15" name="TextBox 14">
+            <a:extLst>
+              <a:ext uri="{FF2B5EF4-FFF2-40B4-BE49-F238E27FC236}">
+                <a16:creationId xmlns:a16="http://schemas.microsoft.com/office/drawing/2014/main" id="{D305D650-DFDC-504F-9406-E75601CC048B}"/>
+              </a:ext>
+            </a:extLst>
+          </p:cNvPr>
+          <p:cNvSpPr txBox="1"/>
+          <p:nvPr/>
+        </p:nvSpPr>
+        <p:spPr>
+          <a:xfrm>
+            <a:off x="763437" y="5703331"/>
+            <a:ext cx="7617123" cy="646331"/>
+          </a:xfrm>
+          <a:prstGeom prst="rect">
+            <a:avLst/>
+          </a:prstGeom>
+          <a:noFill/>
+        </p:spPr>
+        <p:txBody>
+          <a:bodyPr wrap="square" rtlCol="0">
+            <a:spAutoFit/>
+          </a:bodyPr>
+          <a:lstStyle/>
+          <a:p>
+            <a:r>
+              <a:rPr lang="es-ES_tradnl" dirty="0"/>
+              <a:t>En este problema de reconocimiento de patrones hay dos clases: </a:t>
+            </a:r>
+          </a:p>
+          <a:p>
+            <a:r>
+              <a:rPr lang="es-ES_tradnl" dirty="0"/>
+              <a:t>Clase 0: No-Rayado y Clase 1: Rayado</a:t>
+            </a:r>
           </a:p>
         </p:txBody>
       </p:sp>
@@ -20348,18 +20550,9 @@
           <a:lstStyle/>
           <a:p>
             <a:r>
-              <a:rPr lang="en-US" dirty="0" err="1"/>
-              <a:t>Datos</a:t>
-            </a:r>
-            <a:r>
-              <a:rPr lang="en-US" dirty="0"/>
-              <a:t> de </a:t>
-            </a:r>
-            <a:r>
-              <a:rPr lang="en-US" dirty="0" err="1"/>
-              <a:t>Entrenamiento</a:t>
-            </a:r>
-            <a:endParaRPr lang="en-US" dirty="0"/>
+              <a:rPr lang="es-ES_tradnl"/>
+              <a:t>Datos de Entrenamiento</a:t>
+            </a:r>
           </a:p>
         </p:txBody>
       </p:sp>
@@ -20388,143 +20581,23 @@
               <a:buNone/>
             </a:pPr>
             <a:r>
-              <a:rPr lang="en-US" dirty="0" err="1"/>
-              <a:t>Tomar</a:t>
-            </a:r>
-            <a:r>
-              <a:rPr lang="en-US" dirty="0"/>
-              <a:t> </a:t>
-            </a:r>
-            <a:r>
-              <a:rPr lang="en-US" dirty="0" err="1"/>
-              <a:t>fotos</a:t>
-            </a:r>
-            <a:r>
-              <a:rPr lang="en-US" dirty="0"/>
-              <a:t> de la </a:t>
-            </a:r>
-            <a:r>
-              <a:rPr lang="en-US" dirty="0" err="1"/>
-              <a:t>siguiente</a:t>
-            </a:r>
-            <a:r>
-              <a:rPr lang="en-US" dirty="0"/>
-              <a:t> </a:t>
-            </a:r>
-            <a:r>
-              <a:rPr lang="en-US" dirty="0" err="1"/>
-              <a:t>manera</a:t>
-            </a:r>
-            <a:r>
-              <a:rPr lang="en-US" dirty="0"/>
-              <a:t>: </a:t>
-            </a:r>
-            <a:r>
-              <a:rPr lang="en-US" dirty="0" err="1"/>
-              <a:t>pararse</a:t>
-            </a:r>
-            <a:r>
-              <a:rPr lang="en-US" dirty="0"/>
-              <a:t> </a:t>
-            </a:r>
-            <a:r>
-              <a:rPr lang="en-US" dirty="0" err="1"/>
-              <a:t>en</a:t>
-            </a:r>
-            <a:r>
-              <a:rPr lang="en-US" dirty="0"/>
-              <a:t> la </a:t>
-            </a:r>
-            <a:r>
-              <a:rPr lang="en-US" dirty="0" err="1"/>
-              <a:t>vereda</a:t>
-            </a:r>
-            <a:r>
-              <a:rPr lang="en-US" dirty="0"/>
-              <a:t> a </a:t>
-            </a:r>
-            <a:r>
-              <a:rPr lang="en-US" dirty="0" err="1"/>
-              <a:t>unos</a:t>
-            </a:r>
-            <a:r>
-              <a:rPr lang="en-US" dirty="0"/>
-              <a:t> dos metros del </a:t>
-            </a:r>
-            <a:r>
-              <a:rPr lang="en-US" dirty="0" err="1"/>
-              <a:t>frontis</a:t>
-            </a:r>
-            <a:r>
-              <a:rPr lang="en-US" dirty="0"/>
-              <a:t> (pared / </a:t>
-            </a:r>
-            <a:r>
-              <a:rPr lang="en-US" dirty="0" err="1"/>
-              <a:t>reja</a:t>
-            </a:r>
-            <a:r>
-              <a:rPr lang="en-US" dirty="0"/>
-              <a:t> / </a:t>
-            </a:r>
-            <a:r>
-              <a:rPr lang="en-US" dirty="0" err="1"/>
-              <a:t>portón</a:t>
-            </a:r>
-            <a:r>
-              <a:rPr lang="en-US" dirty="0"/>
-              <a:t> / etc.) y </a:t>
-            </a:r>
-            <a:r>
-              <a:rPr lang="en-US" dirty="0" err="1"/>
-              <a:t>tomar</a:t>
-            </a:r>
-            <a:r>
-              <a:rPr lang="en-US" dirty="0"/>
-              <a:t> una </a:t>
-            </a:r>
-            <a:r>
-              <a:rPr lang="en-US" dirty="0" err="1"/>
-              <a:t>foto</a:t>
-            </a:r>
-            <a:r>
-              <a:rPr lang="en-US" dirty="0"/>
-              <a:t> que sea perpendicular al </a:t>
-            </a:r>
-            <a:r>
-              <a:rPr lang="en-US" dirty="0" err="1"/>
-              <a:t>frontis</a:t>
-            </a:r>
-            <a:r>
-              <a:rPr lang="en-US" dirty="0"/>
-              <a:t>.</a:t>
+              <a:rPr lang="es-ES_tradnl" dirty="0"/>
+              <a:t>Tomar fotos de la siguiente manera: pararse en la vereda a unos dos metros del frontis (pared / reja / portón / etc.) y tomar una foto que sea perpendicular al frontis.</a:t>
             </a:r>
           </a:p>
           <a:p>
             <a:pPr marL="0" indent="0">
               <a:buNone/>
             </a:pPr>
-            <a:endParaRPr lang="en-US" dirty="0"/>
+            <a:endParaRPr lang="es-ES_tradnl" dirty="0"/>
           </a:p>
           <a:p>
             <a:pPr marL="0" indent="0">
               <a:buNone/>
             </a:pPr>
             <a:r>
-              <a:rPr lang="en-US" dirty="0" err="1"/>
-              <a:t>Usar</a:t>
-            </a:r>
-            <a:r>
-              <a:rPr lang="en-US" dirty="0"/>
-              <a:t> la luz del </a:t>
-            </a:r>
-            <a:r>
-              <a:rPr lang="en-US" dirty="0" err="1"/>
-              <a:t>día</a:t>
-            </a:r>
-            <a:r>
-              <a:rPr lang="en-US" dirty="0"/>
-              <a:t>, sin sombras, sin flash.</a:t>
+              <a:rPr lang="es-ES_tradnl" dirty="0"/>
+              <a:t>Usar la luz del día, sin sombras, sin flash.</a:t>
             </a:r>
           </a:p>
         </p:txBody>
